--- a/Techem Spring Cloud.pptx
+++ b/Techem Spring Cloud.pptx
@@ -5,28 +5,29 @@
     <p:sldMasterId id="2147483687" r:id="rId1"/>
   </p:sldMasterIdLst>
   <p:notesMasterIdLst>
-    <p:notesMasterId r:id="rId21"/>
+    <p:notesMasterId r:id="rId22"/>
   </p:notesMasterIdLst>
   <p:sldIdLst>
     <p:sldId id="256" r:id="rId2"/>
     <p:sldId id="265" r:id="rId3"/>
     <p:sldId id="266" r:id="rId4"/>
-    <p:sldId id="267" r:id="rId5"/>
-    <p:sldId id="276" r:id="rId6"/>
-    <p:sldId id="277" r:id="rId7"/>
-    <p:sldId id="278" r:id="rId8"/>
-    <p:sldId id="268" r:id="rId9"/>
-    <p:sldId id="279" r:id="rId10"/>
-    <p:sldId id="280" r:id="rId11"/>
-    <p:sldId id="281" r:id="rId12"/>
-    <p:sldId id="269" r:id="rId13"/>
-    <p:sldId id="270" r:id="rId14"/>
-    <p:sldId id="272" r:id="rId15"/>
-    <p:sldId id="271" r:id="rId16"/>
-    <p:sldId id="273" r:id="rId17"/>
-    <p:sldId id="275" r:id="rId18"/>
-    <p:sldId id="274" r:id="rId19"/>
-    <p:sldId id="264" r:id="rId20"/>
+    <p:sldId id="282" r:id="rId5"/>
+    <p:sldId id="267" r:id="rId6"/>
+    <p:sldId id="276" r:id="rId7"/>
+    <p:sldId id="277" r:id="rId8"/>
+    <p:sldId id="278" r:id="rId9"/>
+    <p:sldId id="268" r:id="rId10"/>
+    <p:sldId id="279" r:id="rId11"/>
+    <p:sldId id="280" r:id="rId12"/>
+    <p:sldId id="281" r:id="rId13"/>
+    <p:sldId id="269" r:id="rId14"/>
+    <p:sldId id="270" r:id="rId15"/>
+    <p:sldId id="272" r:id="rId16"/>
+    <p:sldId id="271" r:id="rId17"/>
+    <p:sldId id="273" r:id="rId18"/>
+    <p:sldId id="275" r:id="rId19"/>
+    <p:sldId id="274" r:id="rId20"/>
+    <p:sldId id="264" r:id="rId21"/>
   </p:sldIdLst>
   <p:sldSz cx="9144000" cy="5143500" type="screen16x9"/>
   <p:notesSz cx="6858000" cy="9144000"/>
@@ -4269,19 +4270,7 @@
           <a:p>
             <a:r>
               <a:rPr lang="de-DE" dirty="0" smtClean="0"/>
-              <a:t>Nun: Zentrale Konfiguration mit Spring </a:t>
-            </a:r>
-            <a:r>
-              <a:rPr lang="de-DE" dirty="0" err="1" smtClean="0"/>
-              <a:t>Cloud</a:t>
-            </a:r>
-            <a:r>
-              <a:rPr lang="de-DE" dirty="0" smtClean="0"/>
-              <a:t> </a:t>
-            </a:r>
-            <a:r>
-              <a:rPr lang="de-DE" dirty="0" err="1" smtClean="0"/>
-              <a:t>Config</a:t>
+              <a:t>Konfiguration bisher</a:t>
             </a:r>
             <a:endParaRPr lang="de-DE" dirty="0"/>
           </a:p>
@@ -4372,14 +4361,61 @@
           <a:bodyPr/>
           <a:lstStyle/>
           <a:p>
-            <a:endParaRPr lang="de-DE"/>
+            <a:r>
+              <a:rPr lang="de-DE" dirty="0" smtClean="0"/>
+              <a:t>Jedes API-Projekt besitzt eine eigene Konfiguration</a:t>
+            </a:r>
+          </a:p>
+          <a:p>
+            <a:pPr lvl="1"/>
+            <a:r>
+              <a:rPr lang="de-DE" dirty="0" smtClean="0"/>
+              <a:t>vorwiegend zur Definition von Unit-Tests</a:t>
+            </a:r>
+          </a:p>
+          <a:p>
+            <a:r>
+              <a:rPr lang="de-DE" dirty="0" smtClean="0"/>
+              <a:t>Jede </a:t>
+            </a:r>
+            <a:r>
+              <a:rPr lang="de-DE" dirty="0" err="1" smtClean="0"/>
+              <a:t>Executable</a:t>
+            </a:r>
+            <a:r>
+              <a:rPr lang="de-DE" dirty="0" smtClean="0"/>
+              <a:t> besitzt die gesamte Konfiguration der laufenden Anwendung</a:t>
+            </a:r>
+          </a:p>
+          <a:p>
+            <a:pPr lvl="1"/>
+            <a:r>
+              <a:rPr lang="de-DE" dirty="0" smtClean="0"/>
+              <a:t>Teilweise mit Redundanzen zum API-Projekt</a:t>
+            </a:r>
+          </a:p>
+          <a:p>
+            <a:pPr lvl="2"/>
+            <a:r>
+              <a:rPr lang="de-DE" dirty="0" smtClean="0"/>
+              <a:t>Könnte mit </a:t>
+            </a:r>
+            <a:r>
+              <a:rPr lang="de-DE" dirty="0" err="1" smtClean="0"/>
+              <a:t>Profiles</a:t>
+            </a:r>
+            <a:r>
+              <a:rPr lang="de-DE" dirty="0" smtClean="0"/>
+              <a:t> gelöst werden…</a:t>
+            </a:r>
+            <a:endParaRPr lang="de-DE" dirty="0"/>
           </a:p>
         </p:txBody>
       </p:sp>
     </p:spTree>
     <p:extLst>
       <p:ext uri="{BB962C8B-B14F-4D97-AF65-F5344CB8AC3E}">
-        <p14:creationId xmlns:p14="http://schemas.microsoft.com/office/powerpoint/2010/main" val="803325425"/>
+        <p14:creationId xmlns:p14="http://schemas.microsoft.com/office/powerpoint/2010/main" val="640931564"/>
       </p:ext>
     </p:extLst>
   </p:cSld>
@@ -4423,7 +4459,19 @@
           <a:p>
             <a:r>
               <a:rPr lang="de-DE" dirty="0" smtClean="0"/>
-              <a:t>Musterlösung</a:t>
+              <a:t>Nun: Zentrale Konfiguration mit Spring </a:t>
+            </a:r>
+            <a:r>
+              <a:rPr lang="de-DE" dirty="0" err="1" smtClean="0"/>
+              <a:t>Cloud</a:t>
+            </a:r>
+            <a:r>
+              <a:rPr lang="de-DE" dirty="0" smtClean="0"/>
+              <a:t> </a:t>
+            </a:r>
+            <a:r>
+              <a:rPr lang="de-DE" dirty="0" err="1" smtClean="0"/>
+              <a:t>Config</a:t>
             </a:r>
             <a:endParaRPr lang="de-DE" dirty="0"/>
           </a:p>
@@ -4514,26 +4562,14 @@
           <a:bodyPr/>
           <a:lstStyle/>
           <a:p>
-            <a:r>
-              <a:rPr lang="de-DE" dirty="0" err="1" smtClean="0"/>
-              <a:t>Branch</a:t>
-            </a:r>
-            <a:r>
-              <a:rPr lang="de-DE" dirty="0" smtClean="0"/>
-              <a:t> </a:t>
-            </a:r>
-            <a:r>
-              <a:rPr lang="de-DE" dirty="0" err="1" smtClean="0"/>
-              <a:t>solution-cloud_config</a:t>
-            </a:r>
-            <a:endParaRPr lang="de-DE" dirty="0"/>
+            <a:endParaRPr lang="de-DE"/>
           </a:p>
         </p:txBody>
       </p:sp>
     </p:spTree>
     <p:extLst>
       <p:ext uri="{BB962C8B-B14F-4D97-AF65-F5344CB8AC3E}">
-        <p14:creationId xmlns:p14="http://schemas.microsoft.com/office/powerpoint/2010/main" val="4186428596"/>
+        <p14:creationId xmlns:p14="http://schemas.microsoft.com/office/powerpoint/2010/main" val="803325425"/>
       </p:ext>
     </p:extLst>
   </p:cSld>
@@ -4577,38 +4613,15 @@
           <a:p>
             <a:r>
               <a:rPr lang="de-DE" dirty="0" smtClean="0"/>
-              <a:t>Monitoring und </a:t>
-            </a:r>
-            <a:r>
-              <a:rPr lang="de-DE" dirty="0" err="1" smtClean="0"/>
-              <a:t>Logging</a:t>
-            </a:r>
-            <a:endParaRPr lang="de-DE" dirty="0"/>
-          </a:p>
-        </p:txBody>
-      </p:sp>
-      <p:sp>
-        <p:nvSpPr>
-          <p:cNvPr id="3" name="Textplatzhalter 2"/>
-          <p:cNvSpPr>
-            <a:spLocks noGrp="1"/>
-          </p:cNvSpPr>
-          <p:nvPr>
-            <p:ph type="body" idx="1"/>
-          </p:nvPr>
-        </p:nvSpPr>
-        <p:spPr/>
-        <p:txBody>
-          <a:bodyPr/>
-          <a:lstStyle/>
-          <a:p>
-            <a:endParaRPr lang="de-DE"/>
-          </a:p>
-        </p:txBody>
-      </p:sp>
-      <p:sp>
-        <p:nvSpPr>
-          <p:cNvPr id="4" name="Datumsplatzhalter 3"/>
+              <a:t>Musterlösung</a:t>
+            </a:r>
+            <a:endParaRPr lang="de-DE" dirty="0"/>
+          </a:p>
+        </p:txBody>
+      </p:sp>
+      <p:sp>
+        <p:nvSpPr>
+          <p:cNvPr id="3" name="Datumsplatzhalter 2"/>
           <p:cNvSpPr>
             <a:spLocks noGrp="1"/>
           </p:cNvSpPr>
@@ -4631,7 +4644,7 @@
       </p:sp>
       <p:sp>
         <p:nvSpPr>
-          <p:cNvPr id="5" name="Fußzeilenplatzhalter 4"/>
+          <p:cNvPr id="4" name="Fußzeilenplatzhalter 3"/>
           <p:cNvSpPr>
             <a:spLocks noGrp="1"/>
           </p:cNvSpPr>
@@ -4648,13 +4661,13 @@
               <a:rPr lang="de-DE" smtClean="0"/>
               <a:t>Spring Boot und Spring Cloud</a:t>
             </a:r>
-            <a:endParaRPr lang="de-DE"/>
-          </a:p>
-        </p:txBody>
-      </p:sp>
-      <p:sp>
-        <p:nvSpPr>
-          <p:cNvPr id="6" name="Foliennummernplatzhalter 5"/>
+            <a:endParaRPr lang="de-DE" dirty="0"/>
+          </a:p>
+        </p:txBody>
+      </p:sp>
+      <p:sp>
+        <p:nvSpPr>
+          <p:cNvPr id="5" name="Foliennummernplatzhalter 4"/>
           <p:cNvSpPr>
             <a:spLocks noGrp="1"/>
           </p:cNvSpPr>
@@ -4672,14 +4685,45 @@
               <a:pPr/>
               <a:t>12</a:t>
             </a:fld>
-            <a:endParaRPr lang="de-DE"/>
+            <a:endParaRPr lang="de-DE" dirty="0"/>
+          </a:p>
+        </p:txBody>
+      </p:sp>
+      <p:sp>
+        <p:nvSpPr>
+          <p:cNvPr id="6" name="Inhaltsplatzhalter 5"/>
+          <p:cNvSpPr>
+            <a:spLocks noGrp="1"/>
+          </p:cNvSpPr>
+          <p:nvPr>
+            <p:ph idx="1"/>
+          </p:nvPr>
+        </p:nvSpPr>
+        <p:spPr/>
+        <p:txBody>
+          <a:bodyPr/>
+          <a:lstStyle/>
+          <a:p>
+            <a:r>
+              <a:rPr lang="de-DE" dirty="0" err="1" smtClean="0"/>
+              <a:t>Branch</a:t>
+            </a:r>
+            <a:r>
+              <a:rPr lang="de-DE" dirty="0" smtClean="0"/>
+              <a:t> </a:t>
+            </a:r>
+            <a:r>
+              <a:rPr lang="de-DE" dirty="0" err="1" smtClean="0"/>
+              <a:t>solution-cloud_config</a:t>
+            </a:r>
+            <a:endParaRPr lang="de-DE" dirty="0"/>
           </a:p>
         </p:txBody>
       </p:sp>
     </p:spTree>
     <p:extLst>
       <p:ext uri="{BB962C8B-B14F-4D97-AF65-F5344CB8AC3E}">
-        <p14:creationId xmlns:p14="http://schemas.microsoft.com/office/powerpoint/2010/main" val="1160618885"/>
+        <p14:creationId xmlns:p14="http://schemas.microsoft.com/office/powerpoint/2010/main" val="4186428596"/>
       </p:ext>
     </p:extLst>
   </p:cSld>
@@ -4723,15 +4767,11 @@
           <a:p>
             <a:r>
               <a:rPr lang="de-DE" dirty="0" smtClean="0"/>
-              <a:t>Spring </a:t>
+              <a:t>Monitoring und </a:t>
             </a:r>
             <a:r>
               <a:rPr lang="de-DE" dirty="0" err="1" smtClean="0"/>
-              <a:t>Cloud</a:t>
-            </a:r>
-            <a:r>
-              <a:rPr lang="de-DE" dirty="0" smtClean="0"/>
-              <a:t> Stream</a:t>
+              <a:t>Logging</a:t>
             </a:r>
             <a:endParaRPr lang="de-DE" dirty="0"/>
           </a:p>
@@ -4829,7 +4869,7 @@
     </p:spTree>
     <p:extLst>
       <p:ext uri="{BB962C8B-B14F-4D97-AF65-F5344CB8AC3E}">
-        <p14:creationId xmlns:p14="http://schemas.microsoft.com/office/powerpoint/2010/main" val="2519944075"/>
+        <p14:creationId xmlns:p14="http://schemas.microsoft.com/office/powerpoint/2010/main" val="1160618885"/>
       </p:ext>
     </p:extLst>
   </p:cSld>
@@ -4872,16 +4912,43 @@
           <a:lstStyle/>
           <a:p>
             <a:r>
+              <a:rPr lang="de-DE" dirty="0" smtClean="0"/>
+              <a:t>Spring </a:t>
+            </a:r>
+            <a:r>
               <a:rPr lang="de-DE" dirty="0" err="1" smtClean="0"/>
-              <a:t>RabbitMQ</a:t>
-            </a:r>
-            <a:endParaRPr lang="de-DE" dirty="0"/>
-          </a:p>
-        </p:txBody>
-      </p:sp>
-      <p:sp>
-        <p:nvSpPr>
-          <p:cNvPr id="3" name="Datumsplatzhalter 2"/>
+              <a:t>Cloud</a:t>
+            </a:r>
+            <a:r>
+              <a:rPr lang="de-DE" dirty="0" smtClean="0"/>
+              <a:t> Stream</a:t>
+            </a:r>
+            <a:endParaRPr lang="de-DE" dirty="0"/>
+          </a:p>
+        </p:txBody>
+      </p:sp>
+      <p:sp>
+        <p:nvSpPr>
+          <p:cNvPr id="3" name="Textplatzhalter 2"/>
+          <p:cNvSpPr>
+            <a:spLocks noGrp="1"/>
+          </p:cNvSpPr>
+          <p:nvPr>
+            <p:ph type="body" idx="1"/>
+          </p:nvPr>
+        </p:nvSpPr>
+        <p:spPr/>
+        <p:txBody>
+          <a:bodyPr/>
+          <a:lstStyle/>
+          <a:p>
+            <a:endParaRPr lang="de-DE"/>
+          </a:p>
+        </p:txBody>
+      </p:sp>
+      <p:sp>
+        <p:nvSpPr>
+          <p:cNvPr id="4" name="Datumsplatzhalter 3"/>
           <p:cNvSpPr>
             <a:spLocks noGrp="1"/>
           </p:cNvSpPr>
@@ -4904,7 +4971,7 @@
       </p:sp>
       <p:sp>
         <p:nvSpPr>
-          <p:cNvPr id="4" name="Fußzeilenplatzhalter 3"/>
+          <p:cNvPr id="5" name="Fußzeilenplatzhalter 4"/>
           <p:cNvSpPr>
             <a:spLocks noGrp="1"/>
           </p:cNvSpPr>
@@ -4921,13 +4988,13 @@
               <a:rPr lang="de-DE" smtClean="0"/>
               <a:t>Spring Boot und Spring Cloud</a:t>
             </a:r>
-            <a:endParaRPr lang="de-DE" dirty="0"/>
-          </a:p>
-        </p:txBody>
-      </p:sp>
-      <p:sp>
-        <p:nvSpPr>
-          <p:cNvPr id="5" name="Foliennummernplatzhalter 4"/>
+            <a:endParaRPr lang="de-DE"/>
+          </a:p>
+        </p:txBody>
+      </p:sp>
+      <p:sp>
+        <p:nvSpPr>
+          <p:cNvPr id="6" name="Foliennummernplatzhalter 5"/>
           <p:cNvSpPr>
             <a:spLocks noGrp="1"/>
           </p:cNvSpPr>
@@ -4945,85 +5012,14 @@
               <a:pPr/>
               <a:t>14</a:t>
             </a:fld>
-            <a:endParaRPr lang="de-DE" dirty="0"/>
-          </a:p>
-        </p:txBody>
-      </p:sp>
-      <p:sp>
-        <p:nvSpPr>
-          <p:cNvPr id="6" name="Inhaltsplatzhalter 5"/>
-          <p:cNvSpPr>
-            <a:spLocks noGrp="1"/>
-          </p:cNvSpPr>
-          <p:nvPr>
-            <p:ph idx="1"/>
-          </p:nvPr>
-        </p:nvSpPr>
-        <p:spPr/>
-        <p:txBody>
-          <a:bodyPr/>
-          <a:lstStyle/>
-          <a:p>
-            <a:r>
-              <a:rPr lang="de-DE" dirty="0" err="1"/>
-              <a:t>docker</a:t>
-            </a:r>
-            <a:r>
-              <a:rPr lang="de-DE" dirty="0"/>
-              <a:t> </a:t>
-            </a:r>
-            <a:r>
-              <a:rPr lang="de-DE" dirty="0" err="1"/>
-              <a:t>run</a:t>
-            </a:r>
-            <a:r>
-              <a:rPr lang="de-DE" dirty="0"/>
-              <a:t> -d --name </a:t>
-            </a:r>
-            <a:r>
-              <a:rPr lang="de-DE" dirty="0" err="1"/>
-              <a:t>rabbitmq</a:t>
-            </a:r>
-            <a:r>
-              <a:rPr lang="de-DE" dirty="0"/>
-              <a:t> -p 15672:15672 -p 5672:5672 </a:t>
-            </a:r>
-            <a:r>
-              <a:rPr lang="de-DE" dirty="0" err="1"/>
-              <a:t>rabbitmq:management-alpine</a:t>
-            </a:r>
-            <a:endParaRPr lang="de-DE" dirty="0"/>
-          </a:p>
-          <a:p>
-            <a:r>
-              <a:rPr lang="de-DE" dirty="0"/>
-              <a:t>Web </a:t>
-            </a:r>
-            <a:r>
-              <a:rPr lang="de-DE" dirty="0" err="1"/>
-              <a:t>Console</a:t>
-            </a:r>
-            <a:r>
-              <a:rPr lang="de-DE" dirty="0"/>
-              <a:t> unter </a:t>
-            </a:r>
-            <a:r>
-              <a:rPr lang="de-DE" dirty="0" smtClean="0"/>
-              <a:t>localhost:15672</a:t>
-            </a:r>
-          </a:p>
-          <a:p>
-            <a:endParaRPr lang="de-DE" dirty="0"/>
-          </a:p>
-          <a:p>
-            <a:endParaRPr lang="de-DE" dirty="0"/>
+            <a:endParaRPr lang="de-DE"/>
           </a:p>
         </p:txBody>
       </p:sp>
     </p:spTree>
     <p:extLst>
       <p:ext uri="{BB962C8B-B14F-4D97-AF65-F5344CB8AC3E}">
-        <p14:creationId xmlns:p14="http://schemas.microsoft.com/office/powerpoint/2010/main" val="295639453"/>
+        <p14:creationId xmlns:p14="http://schemas.microsoft.com/office/powerpoint/2010/main" val="2519944075"/>
       </p:ext>
     </p:extLst>
   </p:cSld>
@@ -5066,43 +5062,16 @@
           <a:lstStyle/>
           <a:p>
             <a:r>
-              <a:rPr lang="de-DE" dirty="0" smtClean="0"/>
-              <a:t>Workshop "</a:t>
-            </a:r>
-            <a:r>
               <a:rPr lang="de-DE" dirty="0" err="1" smtClean="0"/>
-              <a:t>Ordering</a:t>
-            </a:r>
-            <a:r>
-              <a:rPr lang="de-DE" dirty="0" smtClean="0"/>
-              <a:t>"</a:t>
-            </a:r>
-            <a:endParaRPr lang="de-DE" dirty="0"/>
-          </a:p>
-        </p:txBody>
-      </p:sp>
-      <p:sp>
-        <p:nvSpPr>
-          <p:cNvPr id="3" name="Textplatzhalter 2"/>
-          <p:cNvSpPr>
-            <a:spLocks noGrp="1"/>
-          </p:cNvSpPr>
-          <p:nvPr>
-            <p:ph type="body" idx="1"/>
-          </p:nvPr>
-        </p:nvSpPr>
-        <p:spPr/>
-        <p:txBody>
-          <a:bodyPr/>
-          <a:lstStyle/>
-          <a:p>
-            <a:endParaRPr lang="de-DE"/>
-          </a:p>
-        </p:txBody>
-      </p:sp>
-      <p:sp>
-        <p:nvSpPr>
-          <p:cNvPr id="4" name="Datumsplatzhalter 3"/>
+              <a:t>RabbitMQ</a:t>
+            </a:r>
+            <a:endParaRPr lang="de-DE" dirty="0"/>
+          </a:p>
+        </p:txBody>
+      </p:sp>
+      <p:sp>
+        <p:nvSpPr>
+          <p:cNvPr id="3" name="Datumsplatzhalter 2"/>
           <p:cNvSpPr>
             <a:spLocks noGrp="1"/>
           </p:cNvSpPr>
@@ -5125,7 +5094,7 @@
       </p:sp>
       <p:sp>
         <p:nvSpPr>
-          <p:cNvPr id="5" name="Fußzeilenplatzhalter 4"/>
+          <p:cNvPr id="4" name="Fußzeilenplatzhalter 3"/>
           <p:cNvSpPr>
             <a:spLocks noGrp="1"/>
           </p:cNvSpPr>
@@ -5142,13 +5111,13 @@
               <a:rPr lang="de-DE" smtClean="0"/>
               <a:t>Spring Boot und Spring Cloud</a:t>
             </a:r>
-            <a:endParaRPr lang="de-DE"/>
-          </a:p>
-        </p:txBody>
-      </p:sp>
-      <p:sp>
-        <p:nvSpPr>
-          <p:cNvPr id="6" name="Foliennummernplatzhalter 5"/>
+            <a:endParaRPr lang="de-DE" dirty="0"/>
+          </a:p>
+        </p:txBody>
+      </p:sp>
+      <p:sp>
+        <p:nvSpPr>
+          <p:cNvPr id="5" name="Foliennummernplatzhalter 4"/>
           <p:cNvSpPr>
             <a:spLocks noGrp="1"/>
           </p:cNvSpPr>
@@ -5166,14 +5135,85 @@
               <a:pPr/>
               <a:t>15</a:t>
             </a:fld>
-            <a:endParaRPr lang="de-DE"/>
+            <a:endParaRPr lang="de-DE" dirty="0"/>
+          </a:p>
+        </p:txBody>
+      </p:sp>
+      <p:sp>
+        <p:nvSpPr>
+          <p:cNvPr id="6" name="Inhaltsplatzhalter 5"/>
+          <p:cNvSpPr>
+            <a:spLocks noGrp="1"/>
+          </p:cNvSpPr>
+          <p:nvPr>
+            <p:ph idx="1"/>
+          </p:nvPr>
+        </p:nvSpPr>
+        <p:spPr/>
+        <p:txBody>
+          <a:bodyPr/>
+          <a:lstStyle/>
+          <a:p>
+            <a:r>
+              <a:rPr lang="de-DE" dirty="0" err="1"/>
+              <a:t>docker</a:t>
+            </a:r>
+            <a:r>
+              <a:rPr lang="de-DE" dirty="0"/>
+              <a:t> </a:t>
+            </a:r>
+            <a:r>
+              <a:rPr lang="de-DE" dirty="0" err="1"/>
+              <a:t>run</a:t>
+            </a:r>
+            <a:r>
+              <a:rPr lang="de-DE" dirty="0"/>
+              <a:t> -d --name </a:t>
+            </a:r>
+            <a:r>
+              <a:rPr lang="de-DE" dirty="0" err="1"/>
+              <a:t>rabbitmq</a:t>
+            </a:r>
+            <a:r>
+              <a:rPr lang="de-DE" dirty="0"/>
+              <a:t> -p 15672:15672 -p 5672:5672 </a:t>
+            </a:r>
+            <a:r>
+              <a:rPr lang="de-DE" dirty="0" err="1"/>
+              <a:t>rabbitmq:management-alpine</a:t>
+            </a:r>
+            <a:endParaRPr lang="de-DE" dirty="0"/>
+          </a:p>
+          <a:p>
+            <a:r>
+              <a:rPr lang="de-DE" dirty="0"/>
+              <a:t>Web </a:t>
+            </a:r>
+            <a:r>
+              <a:rPr lang="de-DE" dirty="0" err="1"/>
+              <a:t>Console</a:t>
+            </a:r>
+            <a:r>
+              <a:rPr lang="de-DE" dirty="0"/>
+              <a:t> unter </a:t>
+            </a:r>
+            <a:r>
+              <a:rPr lang="de-DE" dirty="0" smtClean="0"/>
+              <a:t>localhost:15672</a:t>
+            </a:r>
+          </a:p>
+          <a:p>
+            <a:endParaRPr lang="de-DE" dirty="0"/>
+          </a:p>
+          <a:p>
+            <a:endParaRPr lang="de-DE" dirty="0"/>
           </a:p>
         </p:txBody>
       </p:sp>
     </p:spTree>
     <p:extLst>
       <p:ext uri="{BB962C8B-B14F-4D97-AF65-F5344CB8AC3E}">
-        <p14:creationId xmlns:p14="http://schemas.microsoft.com/office/powerpoint/2010/main" val="2242430749"/>
+        <p14:creationId xmlns:p14="http://schemas.microsoft.com/office/powerpoint/2010/main" val="295639453"/>
       </p:ext>
     </p:extLst>
   </p:cSld>
@@ -5217,19 +5257,42 @@
           <a:p>
             <a:r>
               <a:rPr lang="de-DE" dirty="0" smtClean="0"/>
-              <a:t>Vorgaben für </a:t>
+              <a:t>Workshop "</a:t>
             </a:r>
             <a:r>
               <a:rPr lang="de-DE" dirty="0" err="1" smtClean="0"/>
               <a:t>Ordering</a:t>
             </a:r>
-            <a:endParaRPr lang="de-DE" dirty="0"/>
-          </a:p>
-        </p:txBody>
-      </p:sp>
-      <p:sp>
-        <p:nvSpPr>
-          <p:cNvPr id="3" name="Datumsplatzhalter 2"/>
+            <a:r>
+              <a:rPr lang="de-DE" dirty="0" smtClean="0"/>
+              <a:t>"</a:t>
+            </a:r>
+            <a:endParaRPr lang="de-DE" dirty="0"/>
+          </a:p>
+        </p:txBody>
+      </p:sp>
+      <p:sp>
+        <p:nvSpPr>
+          <p:cNvPr id="3" name="Textplatzhalter 2"/>
+          <p:cNvSpPr>
+            <a:spLocks noGrp="1"/>
+          </p:cNvSpPr>
+          <p:nvPr>
+            <p:ph type="body" idx="1"/>
+          </p:nvPr>
+        </p:nvSpPr>
+        <p:spPr/>
+        <p:txBody>
+          <a:bodyPr/>
+          <a:lstStyle/>
+          <a:p>
+            <a:endParaRPr lang="de-DE"/>
+          </a:p>
+        </p:txBody>
+      </p:sp>
+      <p:sp>
+        <p:nvSpPr>
+          <p:cNvPr id="4" name="Datumsplatzhalter 3"/>
           <p:cNvSpPr>
             <a:spLocks noGrp="1"/>
           </p:cNvSpPr>
@@ -5252,7 +5315,7 @@
       </p:sp>
       <p:sp>
         <p:nvSpPr>
-          <p:cNvPr id="4" name="Fußzeilenplatzhalter 3"/>
+          <p:cNvPr id="5" name="Fußzeilenplatzhalter 4"/>
           <p:cNvSpPr>
             <a:spLocks noGrp="1"/>
           </p:cNvSpPr>
@@ -5269,13 +5332,13 @@
               <a:rPr lang="de-DE" smtClean="0"/>
               <a:t>Spring Boot und Spring Cloud</a:t>
             </a:r>
-            <a:endParaRPr lang="de-DE" dirty="0"/>
-          </a:p>
-        </p:txBody>
-      </p:sp>
-      <p:sp>
-        <p:nvSpPr>
-          <p:cNvPr id="5" name="Foliennummernplatzhalter 4"/>
+            <a:endParaRPr lang="de-DE"/>
+          </a:p>
+        </p:txBody>
+      </p:sp>
+      <p:sp>
+        <p:nvSpPr>
+          <p:cNvPr id="6" name="Foliennummernplatzhalter 5"/>
           <p:cNvSpPr>
             <a:spLocks noGrp="1"/>
           </p:cNvSpPr>
@@ -5293,58 +5356,14 @@
               <a:pPr/>
               <a:t>16</a:t>
             </a:fld>
-            <a:endParaRPr lang="de-DE" dirty="0"/>
-          </a:p>
-        </p:txBody>
-      </p:sp>
-      <p:sp>
-        <p:nvSpPr>
-          <p:cNvPr id="6" name="Inhaltsplatzhalter 5"/>
-          <p:cNvSpPr>
-            <a:spLocks noGrp="1"/>
-          </p:cNvSpPr>
-          <p:nvPr>
-            <p:ph idx="1"/>
-          </p:nvPr>
-        </p:nvSpPr>
-        <p:spPr/>
-        <p:txBody>
-          <a:bodyPr/>
-          <a:lstStyle/>
-          <a:p>
-            <a:r>
-              <a:rPr lang="de-DE" dirty="0"/>
-              <a:t>Neuer Service als Bestandteil der </a:t>
-            </a:r>
-            <a:r>
-              <a:rPr lang="de-DE" dirty="0" smtClean="0"/>
-              <a:t>Books-Applikation</a:t>
-            </a:r>
-          </a:p>
-          <a:p>
-            <a:pPr lvl="1"/>
-            <a:r>
-              <a:rPr lang="de-DE" dirty="0" smtClean="0"/>
-              <a:t>also keine neuen Projekte anlegen!</a:t>
-            </a:r>
-          </a:p>
-          <a:p>
-            <a:pPr lvl="1"/>
-            <a:r>
-              <a:rPr lang="de-DE" dirty="0" smtClean="0"/>
-              <a:t>Alles Bestandteil des Books-API und von Book Web</a:t>
-            </a:r>
-          </a:p>
-          <a:p>
-            <a:pPr lvl="1"/>
-            <a:endParaRPr lang="de-DE" dirty="0"/>
+            <a:endParaRPr lang="de-DE"/>
           </a:p>
         </p:txBody>
       </p:sp>
     </p:spTree>
     <p:extLst>
       <p:ext uri="{BB962C8B-B14F-4D97-AF65-F5344CB8AC3E}">
-        <p14:creationId xmlns:p14="http://schemas.microsoft.com/office/powerpoint/2010/main" val="3776180228"/>
+        <p14:creationId xmlns:p14="http://schemas.microsoft.com/office/powerpoint/2010/main" val="2242430749"/>
       </p:ext>
     </p:extLst>
   </p:cSld>
@@ -5394,10 +5413,6 @@
               <a:rPr lang="de-DE" dirty="0" err="1" smtClean="0"/>
               <a:t>Ordering</a:t>
             </a:r>
-            <a:r>
-              <a:rPr lang="de-DE" dirty="0" smtClean="0"/>
-              <a:t>: Operation</a:t>
-            </a:r>
             <a:endParaRPr lang="de-DE" dirty="0"/>
           </a:p>
         </p:txBody>
@@ -5488,40 +5503,30 @@
           <a:lstStyle/>
           <a:p>
             <a:r>
+              <a:rPr lang="de-DE" dirty="0"/>
+              <a:t>Neuer Service als Bestandteil der </a:t>
+            </a:r>
+            <a:r>
               <a:rPr lang="de-DE" dirty="0" smtClean="0"/>
-              <a:t>Es </a:t>
-            </a:r>
-            <a:r>
-              <a:rPr lang="de-DE" dirty="0"/>
-              <a:t>soll ermöglicht werden, ein Buchbestellung durchzuführen. Dazu erhält der Service eine Methode </a:t>
-            </a:r>
-            <a:r>
-              <a:rPr lang="de-DE" dirty="0" err="1">
-                <a:latin typeface="Courier New" pitchFamily="49" charset="0"/>
-                <a:cs typeface="Courier New" pitchFamily="49" charset="0"/>
-              </a:rPr>
-              <a:t>order</a:t>
-            </a:r>
-            <a:r>
-              <a:rPr lang="de-DE" dirty="0"/>
-              <a:t>, die als Parameter bekommt:</a:t>
+              <a:t>Books-Applikation</a:t>
             </a:r>
           </a:p>
           <a:p>
             <a:pPr lvl="1"/>
             <a:r>
-              <a:rPr lang="de-DE" dirty="0"/>
-              <a:t>Eine ISBN</a:t>
+              <a:rPr lang="de-DE" dirty="0" smtClean="0"/>
+              <a:t>also keine neuen Projekte anlegen!</a:t>
             </a:r>
           </a:p>
           <a:p>
             <a:pPr lvl="1"/>
             <a:r>
-              <a:rPr lang="de-DE" dirty="0"/>
-              <a:t>Die Anzahl der zu bestellenden Bücher</a:t>
-            </a:r>
-          </a:p>
-          <a:p>
+              <a:rPr lang="de-DE" dirty="0" smtClean="0"/>
+              <a:t>Alles Bestandteil des Books-API und von Book Web</a:t>
+            </a:r>
+          </a:p>
+          <a:p>
+            <a:pPr lvl="1"/>
             <a:endParaRPr lang="de-DE" dirty="0"/>
           </a:p>
         </p:txBody>
@@ -5529,7 +5534,7 @@
     </p:spTree>
     <p:extLst>
       <p:ext uri="{BB962C8B-B14F-4D97-AF65-F5344CB8AC3E}">
-        <p14:creationId xmlns:p14="http://schemas.microsoft.com/office/powerpoint/2010/main" val="2497037212"/>
+        <p14:creationId xmlns:p14="http://schemas.microsoft.com/office/powerpoint/2010/main" val="3776180228"/>
       </p:ext>
     </p:extLst>
   </p:cSld>
@@ -5581,7 +5586,7 @@
             </a:r>
             <a:r>
               <a:rPr lang="de-DE" dirty="0" smtClean="0"/>
-              <a:t>: Rückgabe</a:t>
+              <a:t>: Operation</a:t>
             </a:r>
             <a:endParaRPr lang="de-DE" dirty="0"/>
           </a:p>
@@ -5652,6 +5657,191 @@
               <a:rPr lang="de-DE" smtClean="0"/>
               <a:pPr/>
               <a:t>18</a:t>
+            </a:fld>
+            <a:endParaRPr lang="de-DE" dirty="0"/>
+          </a:p>
+        </p:txBody>
+      </p:sp>
+      <p:sp>
+        <p:nvSpPr>
+          <p:cNvPr id="6" name="Inhaltsplatzhalter 5"/>
+          <p:cNvSpPr>
+            <a:spLocks noGrp="1"/>
+          </p:cNvSpPr>
+          <p:nvPr>
+            <p:ph idx="1"/>
+          </p:nvPr>
+        </p:nvSpPr>
+        <p:spPr/>
+        <p:txBody>
+          <a:bodyPr/>
+          <a:lstStyle/>
+          <a:p>
+            <a:r>
+              <a:rPr lang="de-DE" dirty="0" smtClean="0"/>
+              <a:t>Es </a:t>
+            </a:r>
+            <a:r>
+              <a:rPr lang="de-DE" dirty="0"/>
+              <a:t>soll ermöglicht werden, ein Buchbestellung durchzuführen. Dazu erhält der Service eine Methode </a:t>
+            </a:r>
+            <a:r>
+              <a:rPr lang="de-DE" dirty="0" err="1">
+                <a:latin typeface="Courier New" pitchFamily="49" charset="0"/>
+                <a:cs typeface="Courier New" pitchFamily="49" charset="0"/>
+              </a:rPr>
+              <a:t>order</a:t>
+            </a:r>
+            <a:r>
+              <a:rPr lang="de-DE" dirty="0"/>
+              <a:t>, die als Parameter bekommt:</a:t>
+            </a:r>
+          </a:p>
+          <a:p>
+            <a:pPr lvl="1"/>
+            <a:r>
+              <a:rPr lang="de-DE" dirty="0"/>
+              <a:t>Eine ISBN</a:t>
+            </a:r>
+          </a:p>
+          <a:p>
+            <a:pPr lvl="1"/>
+            <a:r>
+              <a:rPr lang="de-DE" dirty="0"/>
+              <a:t>Die Anzahl der zu bestellenden Bücher</a:t>
+            </a:r>
+          </a:p>
+          <a:p>
+            <a:endParaRPr lang="de-DE" dirty="0"/>
+          </a:p>
+        </p:txBody>
+      </p:sp>
+    </p:spTree>
+    <p:extLst>
+      <p:ext uri="{BB962C8B-B14F-4D97-AF65-F5344CB8AC3E}">
+        <p14:creationId xmlns:p14="http://schemas.microsoft.com/office/powerpoint/2010/main" val="2497037212"/>
+      </p:ext>
+    </p:extLst>
+  </p:cSld>
+  <p:clrMapOvr>
+    <a:masterClrMapping/>
+  </p:clrMapOvr>
+</p:sld>
+</file>
+
+<file path=ppt/slides/slide19.xml><?xml version="1.0" encoding="utf-8"?>
+<p:sld xmlns:a="http://schemas.openxmlformats.org/drawingml/2006/main" xmlns:r="http://schemas.openxmlformats.org/officeDocument/2006/relationships" xmlns:p="http://schemas.openxmlformats.org/presentationml/2006/main">
+  <p:cSld>
+    <p:spTree>
+      <p:nvGrpSpPr>
+        <p:cNvPr id="1" name=""/>
+        <p:cNvGrpSpPr/>
+        <p:nvPr/>
+      </p:nvGrpSpPr>
+      <p:grpSpPr>
+        <a:xfrm>
+          <a:off x="0" y="0"/>
+          <a:ext cx="0" cy="0"/>
+          <a:chOff x="0" y="0"/>
+          <a:chExt cx="0" cy="0"/>
+        </a:xfrm>
+      </p:grpSpPr>
+      <p:sp>
+        <p:nvSpPr>
+          <p:cNvPr id="2" name="Titel 1"/>
+          <p:cNvSpPr>
+            <a:spLocks noGrp="1"/>
+          </p:cNvSpPr>
+          <p:nvPr>
+            <p:ph type="title"/>
+          </p:nvPr>
+        </p:nvSpPr>
+        <p:spPr/>
+        <p:txBody>
+          <a:bodyPr/>
+          <a:lstStyle/>
+          <a:p>
+            <a:r>
+              <a:rPr lang="de-DE" dirty="0" smtClean="0"/>
+              <a:t>Vorgaben für </a:t>
+            </a:r>
+            <a:r>
+              <a:rPr lang="de-DE" dirty="0" err="1" smtClean="0"/>
+              <a:t>Ordering</a:t>
+            </a:r>
+            <a:r>
+              <a:rPr lang="de-DE" dirty="0" smtClean="0"/>
+              <a:t>: Rückgabe</a:t>
+            </a:r>
+            <a:endParaRPr lang="de-DE" dirty="0"/>
+          </a:p>
+        </p:txBody>
+      </p:sp>
+      <p:sp>
+        <p:nvSpPr>
+          <p:cNvPr id="3" name="Datumsplatzhalter 2"/>
+          <p:cNvSpPr>
+            <a:spLocks noGrp="1"/>
+          </p:cNvSpPr>
+          <p:nvPr>
+            <p:ph type="dt" sz="half" idx="10"/>
+          </p:nvPr>
+        </p:nvSpPr>
+        <p:spPr/>
+        <p:txBody>
+          <a:bodyPr/>
+          <a:lstStyle/>
+          <a:p>
+            <a:r>
+              <a:rPr lang="de-DE" smtClean="0"/>
+              <a:t>1.0.1019 © Javacream</a:t>
+            </a:r>
+            <a:endParaRPr lang="de-DE" dirty="0"/>
+          </a:p>
+        </p:txBody>
+      </p:sp>
+      <p:sp>
+        <p:nvSpPr>
+          <p:cNvPr id="4" name="Fußzeilenplatzhalter 3"/>
+          <p:cNvSpPr>
+            <a:spLocks noGrp="1"/>
+          </p:cNvSpPr>
+          <p:nvPr>
+            <p:ph type="ftr" sz="quarter" idx="11"/>
+          </p:nvPr>
+        </p:nvSpPr>
+        <p:spPr/>
+        <p:txBody>
+          <a:bodyPr/>
+          <a:lstStyle/>
+          <a:p>
+            <a:r>
+              <a:rPr lang="de-DE" smtClean="0"/>
+              <a:t>Spring Boot und Spring Cloud</a:t>
+            </a:r>
+            <a:endParaRPr lang="de-DE" dirty="0"/>
+          </a:p>
+        </p:txBody>
+      </p:sp>
+      <p:sp>
+        <p:nvSpPr>
+          <p:cNvPr id="5" name="Foliennummernplatzhalter 4"/>
+          <p:cNvSpPr>
+            <a:spLocks noGrp="1"/>
+          </p:cNvSpPr>
+          <p:nvPr>
+            <p:ph type="sldNum" sz="quarter" idx="12"/>
+          </p:nvPr>
+        </p:nvSpPr>
+        <p:spPr/>
+        <p:txBody>
+          <a:bodyPr/>
+          <a:lstStyle/>
+          <a:p>
+            <a:fld id="{C35CD64B-6327-40EA-B694-C6A036D8539A}" type="slidenum">
+              <a:rPr lang="de-DE" smtClean="0"/>
+              <a:pPr/>
+              <a:t>19</a:t>
             </a:fld>
             <a:endParaRPr lang="de-DE" dirty="0"/>
           </a:p>
@@ -5818,7 +6008,204 @@
 </p:sld>
 </file>
 
-<file path=ppt/slides/slide19.xml><?xml version="1.0" encoding="utf-8"?>
+<file path=ppt/slides/slide2.xml><?xml version="1.0" encoding="utf-8"?>
+<p:sld xmlns:a="http://schemas.openxmlformats.org/drawingml/2006/main" xmlns:r="http://schemas.openxmlformats.org/officeDocument/2006/relationships" xmlns:p="http://schemas.openxmlformats.org/presentationml/2006/main">
+  <p:cSld>
+    <p:spTree>
+      <p:nvGrpSpPr>
+        <p:cNvPr id="1" name=""/>
+        <p:cNvGrpSpPr/>
+        <p:nvPr/>
+      </p:nvGrpSpPr>
+      <p:grpSpPr>
+        <a:xfrm>
+          <a:off x="0" y="0"/>
+          <a:ext cx="0" cy="0"/>
+          <a:chOff x="0" y="0"/>
+          <a:chExt cx="0" cy="0"/>
+        </a:xfrm>
+      </p:grpSpPr>
+      <p:sp>
+        <p:nvSpPr>
+          <p:cNvPr id="2" name="Titel 1"/>
+          <p:cNvSpPr>
+            <a:spLocks noGrp="1"/>
+          </p:cNvSpPr>
+          <p:nvPr>
+            <p:ph type="title"/>
+          </p:nvPr>
+        </p:nvSpPr>
+        <p:spPr/>
+        <p:txBody>
+          <a:bodyPr/>
+          <a:lstStyle/>
+          <a:p>
+            <a:r>
+              <a:rPr lang="de-DE" spc="-1" dirty="0" smtClean="0">
+                <a:solidFill>
+                  <a:srgbClr val="000000"/>
+                </a:solidFill>
+                <a:ea typeface="Arial"/>
+              </a:rPr>
+              <a:t>Geplante Agenda </a:t>
+            </a:r>
+            <a:r>
+              <a:rPr lang="de-DE" spc="-1" dirty="0">
+                <a:solidFill>
+                  <a:srgbClr val="000000"/>
+                </a:solidFill>
+                <a:ea typeface="Arial"/>
+              </a:rPr>
+              <a:t>Tag </a:t>
+            </a:r>
+            <a:r>
+              <a:rPr lang="de-DE" spc="-1" dirty="0" smtClean="0">
+                <a:solidFill>
+                  <a:srgbClr val="000000"/>
+                </a:solidFill>
+                <a:ea typeface="Arial"/>
+              </a:rPr>
+              <a:t>3</a:t>
+            </a:r>
+            <a:endParaRPr lang="de-DE" dirty="0"/>
+          </a:p>
+        </p:txBody>
+      </p:sp>
+      <p:sp>
+        <p:nvSpPr>
+          <p:cNvPr id="3" name="Datumsplatzhalter 2"/>
+          <p:cNvSpPr>
+            <a:spLocks noGrp="1"/>
+          </p:cNvSpPr>
+          <p:nvPr>
+            <p:ph type="dt" sz="half" idx="10"/>
+          </p:nvPr>
+        </p:nvSpPr>
+        <p:spPr/>
+        <p:txBody>
+          <a:bodyPr/>
+          <a:lstStyle/>
+          <a:p>
+            <a:r>
+              <a:rPr lang="de-DE" smtClean="0"/>
+              <a:t>1.0.1019 © Javacream</a:t>
+            </a:r>
+            <a:endParaRPr lang="de-DE" dirty="0"/>
+          </a:p>
+        </p:txBody>
+      </p:sp>
+      <p:sp>
+        <p:nvSpPr>
+          <p:cNvPr id="4" name="Fußzeilenplatzhalter 3"/>
+          <p:cNvSpPr>
+            <a:spLocks noGrp="1"/>
+          </p:cNvSpPr>
+          <p:nvPr>
+            <p:ph type="ftr" sz="quarter" idx="11"/>
+          </p:nvPr>
+        </p:nvSpPr>
+        <p:spPr/>
+        <p:txBody>
+          <a:bodyPr/>
+          <a:lstStyle/>
+          <a:p>
+            <a:r>
+              <a:rPr lang="de-DE" smtClean="0"/>
+              <a:t>Spring Boot und Spring Cloud</a:t>
+            </a:r>
+            <a:endParaRPr lang="de-DE" dirty="0"/>
+          </a:p>
+        </p:txBody>
+      </p:sp>
+      <p:sp>
+        <p:nvSpPr>
+          <p:cNvPr id="5" name="Foliennummernplatzhalter 4"/>
+          <p:cNvSpPr>
+            <a:spLocks noGrp="1"/>
+          </p:cNvSpPr>
+          <p:nvPr>
+            <p:ph type="sldNum" sz="quarter" idx="12"/>
+          </p:nvPr>
+        </p:nvSpPr>
+        <p:spPr/>
+        <p:txBody>
+          <a:bodyPr/>
+          <a:lstStyle/>
+          <a:p>
+            <a:fld id="{C35CD64B-6327-40EA-B694-C6A036D8539A}" type="slidenum">
+              <a:rPr lang="de-DE" smtClean="0"/>
+              <a:pPr/>
+              <a:t>2</a:t>
+            </a:fld>
+            <a:endParaRPr lang="de-DE" dirty="0"/>
+          </a:p>
+        </p:txBody>
+      </p:sp>
+      <p:sp>
+        <p:nvSpPr>
+          <p:cNvPr id="6" name="Inhaltsplatzhalter 5"/>
+          <p:cNvSpPr>
+            <a:spLocks noGrp="1"/>
+          </p:cNvSpPr>
+          <p:nvPr>
+            <p:ph idx="1"/>
+          </p:nvPr>
+        </p:nvSpPr>
+        <p:spPr/>
+        <p:txBody>
+          <a:bodyPr/>
+          <a:lstStyle/>
+          <a:p>
+            <a:r>
+              <a:rPr lang="en-US" dirty="0"/>
+              <a:t>Spring </a:t>
+            </a:r>
+            <a:r>
+              <a:rPr lang="en-US" dirty="0" err="1"/>
+              <a:t>Config</a:t>
+            </a:r>
+            <a:endParaRPr lang="en-US" dirty="0"/>
+          </a:p>
+          <a:p>
+            <a:r>
+              <a:rPr lang="en-US" dirty="0"/>
+              <a:t>Monitoring and Logging, Spring Actuator</a:t>
+            </a:r>
+          </a:p>
+          <a:p>
+            <a:r>
+              <a:rPr lang="en-US" dirty="0"/>
+              <a:t>Spring Cloud Stream</a:t>
+            </a:r>
+          </a:p>
+          <a:p>
+            <a:r>
+              <a:rPr lang="en-US" dirty="0"/>
+              <a:t>Workshop „Book Order“</a:t>
+            </a:r>
+          </a:p>
+          <a:p>
+            <a:pPr marL="0" indent="0">
+              <a:buNone/>
+            </a:pPr>
+            <a:endParaRPr lang="de-DE" dirty="0"/>
+          </a:p>
+        </p:txBody>
+      </p:sp>
+    </p:spTree>
+    <p:extLst>
+      <p:ext uri="{BB962C8B-B14F-4D97-AF65-F5344CB8AC3E}">
+        <p14:creationId xmlns:p14="http://schemas.microsoft.com/office/powerpoint/2010/main" val="3804042992"/>
+      </p:ext>
+    </p:extLst>
+  </p:cSld>
+  <p:clrMapOvr>
+    <a:masterClrMapping/>
+  </p:clrMapOvr>
+</p:sld>
+</file>
+
+<file path=ppt/slides/slide20.xml><?xml version="1.0" encoding="utf-8"?>
 <p:sld xmlns:a="http://schemas.openxmlformats.org/drawingml/2006/main" xmlns:r="http://schemas.openxmlformats.org/officeDocument/2006/relationships" xmlns:p="http://schemas.openxmlformats.org/presentationml/2006/main">
   <p:cSld>
     <p:spTree>
@@ -6004,203 +6391,6 @@
 </p:sld>
 </file>
 
-<file path=ppt/slides/slide2.xml><?xml version="1.0" encoding="utf-8"?>
-<p:sld xmlns:a="http://schemas.openxmlformats.org/drawingml/2006/main" xmlns:r="http://schemas.openxmlformats.org/officeDocument/2006/relationships" xmlns:p="http://schemas.openxmlformats.org/presentationml/2006/main">
-  <p:cSld>
-    <p:spTree>
-      <p:nvGrpSpPr>
-        <p:cNvPr id="1" name=""/>
-        <p:cNvGrpSpPr/>
-        <p:nvPr/>
-      </p:nvGrpSpPr>
-      <p:grpSpPr>
-        <a:xfrm>
-          <a:off x="0" y="0"/>
-          <a:ext cx="0" cy="0"/>
-          <a:chOff x="0" y="0"/>
-          <a:chExt cx="0" cy="0"/>
-        </a:xfrm>
-      </p:grpSpPr>
-      <p:sp>
-        <p:nvSpPr>
-          <p:cNvPr id="2" name="Titel 1"/>
-          <p:cNvSpPr>
-            <a:spLocks noGrp="1"/>
-          </p:cNvSpPr>
-          <p:nvPr>
-            <p:ph type="title"/>
-          </p:nvPr>
-        </p:nvSpPr>
-        <p:spPr/>
-        <p:txBody>
-          <a:bodyPr/>
-          <a:lstStyle/>
-          <a:p>
-            <a:r>
-              <a:rPr lang="de-DE" spc="-1" dirty="0" smtClean="0">
-                <a:solidFill>
-                  <a:srgbClr val="000000"/>
-                </a:solidFill>
-                <a:ea typeface="Arial"/>
-              </a:rPr>
-              <a:t>Geplante Agenda </a:t>
-            </a:r>
-            <a:r>
-              <a:rPr lang="de-DE" spc="-1" dirty="0">
-                <a:solidFill>
-                  <a:srgbClr val="000000"/>
-                </a:solidFill>
-                <a:ea typeface="Arial"/>
-              </a:rPr>
-              <a:t>Tag </a:t>
-            </a:r>
-            <a:r>
-              <a:rPr lang="de-DE" spc="-1" dirty="0" smtClean="0">
-                <a:solidFill>
-                  <a:srgbClr val="000000"/>
-                </a:solidFill>
-                <a:ea typeface="Arial"/>
-              </a:rPr>
-              <a:t>3</a:t>
-            </a:r>
-            <a:endParaRPr lang="de-DE" dirty="0"/>
-          </a:p>
-        </p:txBody>
-      </p:sp>
-      <p:sp>
-        <p:nvSpPr>
-          <p:cNvPr id="3" name="Datumsplatzhalter 2"/>
-          <p:cNvSpPr>
-            <a:spLocks noGrp="1"/>
-          </p:cNvSpPr>
-          <p:nvPr>
-            <p:ph type="dt" sz="half" idx="10"/>
-          </p:nvPr>
-        </p:nvSpPr>
-        <p:spPr/>
-        <p:txBody>
-          <a:bodyPr/>
-          <a:lstStyle/>
-          <a:p>
-            <a:r>
-              <a:rPr lang="de-DE" smtClean="0"/>
-              <a:t>1.0.1019 © Javacream</a:t>
-            </a:r>
-            <a:endParaRPr lang="de-DE" dirty="0"/>
-          </a:p>
-        </p:txBody>
-      </p:sp>
-      <p:sp>
-        <p:nvSpPr>
-          <p:cNvPr id="4" name="Fußzeilenplatzhalter 3"/>
-          <p:cNvSpPr>
-            <a:spLocks noGrp="1"/>
-          </p:cNvSpPr>
-          <p:nvPr>
-            <p:ph type="ftr" sz="quarter" idx="11"/>
-          </p:nvPr>
-        </p:nvSpPr>
-        <p:spPr/>
-        <p:txBody>
-          <a:bodyPr/>
-          <a:lstStyle/>
-          <a:p>
-            <a:r>
-              <a:rPr lang="de-DE" smtClean="0"/>
-              <a:t>Spring Boot und Spring Cloud</a:t>
-            </a:r>
-            <a:endParaRPr lang="de-DE" dirty="0"/>
-          </a:p>
-        </p:txBody>
-      </p:sp>
-      <p:sp>
-        <p:nvSpPr>
-          <p:cNvPr id="5" name="Foliennummernplatzhalter 4"/>
-          <p:cNvSpPr>
-            <a:spLocks noGrp="1"/>
-          </p:cNvSpPr>
-          <p:nvPr>
-            <p:ph type="sldNum" sz="quarter" idx="12"/>
-          </p:nvPr>
-        </p:nvSpPr>
-        <p:spPr/>
-        <p:txBody>
-          <a:bodyPr/>
-          <a:lstStyle/>
-          <a:p>
-            <a:fld id="{C35CD64B-6327-40EA-B694-C6A036D8539A}" type="slidenum">
-              <a:rPr lang="de-DE" smtClean="0"/>
-              <a:pPr/>
-              <a:t>2</a:t>
-            </a:fld>
-            <a:endParaRPr lang="de-DE" dirty="0"/>
-          </a:p>
-        </p:txBody>
-      </p:sp>
-      <p:sp>
-        <p:nvSpPr>
-          <p:cNvPr id="6" name="Inhaltsplatzhalter 5"/>
-          <p:cNvSpPr>
-            <a:spLocks noGrp="1"/>
-          </p:cNvSpPr>
-          <p:nvPr>
-            <p:ph idx="1"/>
-          </p:nvPr>
-        </p:nvSpPr>
-        <p:spPr/>
-        <p:txBody>
-          <a:bodyPr/>
-          <a:lstStyle/>
-          <a:p>
-            <a:r>
-              <a:rPr lang="en-US" dirty="0"/>
-              <a:t>Spring </a:t>
-            </a:r>
-            <a:r>
-              <a:rPr lang="en-US" dirty="0" err="1"/>
-              <a:t>Config</a:t>
-            </a:r>
-            <a:endParaRPr lang="en-US" dirty="0"/>
-          </a:p>
-          <a:p>
-            <a:r>
-              <a:rPr lang="en-US" dirty="0"/>
-              <a:t>Monitoring and Logging, Spring Actuator</a:t>
-            </a:r>
-          </a:p>
-          <a:p>
-            <a:r>
-              <a:rPr lang="en-US" dirty="0"/>
-              <a:t>Spring Cloud Stream</a:t>
-            </a:r>
-          </a:p>
-          <a:p>
-            <a:r>
-              <a:rPr lang="en-US" dirty="0"/>
-              <a:t>Workshop „Book Order“</a:t>
-            </a:r>
-          </a:p>
-          <a:p>
-            <a:pPr marL="0" indent="0">
-              <a:buNone/>
-            </a:pPr>
-            <a:endParaRPr lang="de-DE" dirty="0"/>
-          </a:p>
-        </p:txBody>
-      </p:sp>
-    </p:spTree>
-    <p:extLst>
-      <p:ext uri="{BB962C8B-B14F-4D97-AF65-F5344CB8AC3E}">
-        <p14:creationId xmlns:p14="http://schemas.microsoft.com/office/powerpoint/2010/main" val="3804042992"/>
-      </p:ext>
-    </p:extLst>
-  </p:cSld>
-  <p:clrMapOvr>
-    <a:masterClrMapping/>
-  </p:clrMapOvr>
-</p:sld>
-</file>
-
 <file path=ppt/slides/slide3.xml><?xml version="1.0" encoding="utf-8"?>
 <p:sld xmlns:a="http://schemas.openxmlformats.org/drawingml/2006/main" xmlns:r="http://schemas.openxmlformats.org/officeDocument/2006/relationships" xmlns:p="http://schemas.openxmlformats.org/presentationml/2006/main">
   <p:cSld>
@@ -6562,34 +6752,15 @@
           <a:p>
             <a:r>
               <a:rPr lang="de-DE" dirty="0" smtClean="0"/>
-              <a:t>Stand von Tag 2</a:t>
-            </a:r>
-            <a:endParaRPr lang="de-DE" dirty="0"/>
-          </a:p>
-        </p:txBody>
-      </p:sp>
-      <p:sp>
-        <p:nvSpPr>
-          <p:cNvPr id="3" name="Textplatzhalter 2"/>
-          <p:cNvSpPr>
-            <a:spLocks noGrp="1"/>
-          </p:cNvSpPr>
-          <p:nvPr>
-            <p:ph type="body" idx="1"/>
-          </p:nvPr>
-        </p:nvSpPr>
-        <p:spPr/>
-        <p:txBody>
-          <a:bodyPr/>
-          <a:lstStyle/>
-          <a:p>
-            <a:endParaRPr lang="de-DE"/>
-          </a:p>
-        </p:txBody>
-      </p:sp>
-      <p:sp>
-        <p:nvSpPr>
-          <p:cNvPr id="4" name="Datumsplatzhalter 3"/>
+              <a:t>Geplanter Ablauf</a:t>
+            </a:r>
+            <a:endParaRPr lang="de-DE" dirty="0"/>
+          </a:p>
+        </p:txBody>
+      </p:sp>
+      <p:sp>
+        <p:nvSpPr>
+          <p:cNvPr id="3" name="Datumsplatzhalter 2"/>
           <p:cNvSpPr>
             <a:spLocks noGrp="1"/>
           </p:cNvSpPr>
@@ -6612,7 +6783,7 @@
       </p:sp>
       <p:sp>
         <p:nvSpPr>
-          <p:cNvPr id="5" name="Fußzeilenplatzhalter 4"/>
+          <p:cNvPr id="4" name="Fußzeilenplatzhalter 3"/>
           <p:cNvSpPr>
             <a:spLocks noGrp="1"/>
           </p:cNvSpPr>
@@ -6629,13 +6800,13 @@
               <a:rPr lang="de-DE" smtClean="0"/>
               <a:t>Spring Boot und Spring Cloud</a:t>
             </a:r>
-            <a:endParaRPr lang="de-DE"/>
-          </a:p>
-        </p:txBody>
-      </p:sp>
-      <p:sp>
-        <p:nvSpPr>
-          <p:cNvPr id="6" name="Foliennummernplatzhalter 5"/>
+            <a:endParaRPr lang="de-DE" dirty="0"/>
+          </a:p>
+        </p:txBody>
+      </p:sp>
+      <p:sp>
+        <p:nvSpPr>
+          <p:cNvPr id="5" name="Foliennummernplatzhalter 4"/>
           <p:cNvSpPr>
             <a:spLocks noGrp="1"/>
           </p:cNvSpPr>
@@ -6653,6 +6824,122 @@
               <a:pPr/>
               <a:t>4</a:t>
             </a:fld>
+            <a:endParaRPr lang="de-DE" dirty="0"/>
+          </a:p>
+        </p:txBody>
+      </p:sp>
+      <p:sp>
+        <p:nvSpPr>
+          <p:cNvPr id="6" name="Inhaltsplatzhalter 5"/>
+          <p:cNvSpPr>
+            <a:spLocks noGrp="1"/>
+          </p:cNvSpPr>
+          <p:nvPr>
+            <p:ph idx="1"/>
+          </p:nvPr>
+        </p:nvSpPr>
+        <p:spPr/>
+        <p:txBody>
+          <a:bodyPr/>
+          <a:lstStyle/>
+          <a:p>
+            <a:r>
+              <a:rPr lang="de-DE" dirty="0" smtClean="0"/>
+              <a:t>Jede Session 90 Minuten</a:t>
+            </a:r>
+          </a:p>
+          <a:p>
+            <a:pPr lvl="1"/>
+            <a:r>
+              <a:rPr lang="de-DE" dirty="0" smtClean="0"/>
+              <a:t>Vortragssession</a:t>
+            </a:r>
+          </a:p>
+          <a:p>
+            <a:pPr lvl="2"/>
+            <a:r>
+              <a:rPr lang="de-DE" dirty="0" smtClean="0"/>
+              <a:t>Etwa 45 Minuten Vortrag/Präsentation</a:t>
+            </a:r>
+          </a:p>
+          <a:p>
+            <a:pPr lvl="2"/>
+            <a:r>
+              <a:rPr lang="de-DE" dirty="0" smtClean="0"/>
+              <a:t>Etwa 10 Minuten Fragen und Diskussion</a:t>
+            </a:r>
+          </a:p>
+          <a:p>
+            <a:pPr lvl="3"/>
+            <a:r>
+              <a:rPr lang="de-DE" dirty="0" smtClean="0"/>
+              <a:t>Chat oder Wortmeldung</a:t>
+            </a:r>
+          </a:p>
+          <a:p>
+            <a:pPr lvl="2"/>
+            <a:r>
+              <a:rPr lang="de-DE" dirty="0" smtClean="0"/>
+              <a:t>Etwa 25 Minuten eigenständige Übungen</a:t>
+            </a:r>
+          </a:p>
+          <a:p>
+            <a:pPr lvl="2"/>
+            <a:r>
+              <a:rPr lang="de-DE" dirty="0" smtClean="0"/>
+              <a:t>Etwa 10 Minuten Nachbesprechung, Vorstellung der Musterlösung</a:t>
+            </a:r>
+          </a:p>
+          <a:p>
+            <a:pPr lvl="1"/>
+            <a:r>
+              <a:rPr lang="de-DE" dirty="0" smtClean="0"/>
+              <a:t>Workshop</a:t>
+            </a:r>
+          </a:p>
+          <a:p>
+            <a:pPr lvl="2"/>
+            <a:r>
+              <a:rPr lang="de-DE" dirty="0" smtClean="0"/>
+              <a:t>Etwa 10 Minuten Einführung</a:t>
+            </a:r>
+          </a:p>
+          <a:p>
+            <a:pPr lvl="2"/>
+            <a:r>
+              <a:rPr lang="de-DE" dirty="0" smtClean="0"/>
+              <a:t>Etwa 60 Minuten eigenständige Übungen</a:t>
+            </a:r>
+          </a:p>
+          <a:p>
+            <a:pPr lvl="2"/>
+            <a:r>
+              <a:rPr lang="de-DE" dirty="0" smtClean="0"/>
+              <a:t>Etwa 20 Minuten Nachbesprechung, </a:t>
+            </a:r>
+            <a:r>
+              <a:rPr lang="de-DE" dirty="0"/>
+              <a:t>Vorstellung der </a:t>
+            </a:r>
+            <a:r>
+              <a:rPr lang="de-DE" dirty="0" smtClean="0"/>
+              <a:t>Musterlösung</a:t>
+            </a:r>
+          </a:p>
+          <a:p>
+            <a:pPr lvl="3"/>
+            <a:r>
+              <a:rPr lang="de-DE"/>
+              <a:t>Chat </a:t>
+            </a:r>
+            <a:r>
+              <a:rPr lang="de-DE"/>
+              <a:t>oder </a:t>
+            </a:r>
+            <a:r>
+              <a:rPr lang="de-DE" smtClean="0"/>
+              <a:t>Wortmeldung</a:t>
+            </a:r>
             <a:endParaRPr lang="de-DE"/>
           </a:p>
         </p:txBody>
@@ -6660,7 +6947,7 @@
     </p:spTree>
     <p:extLst>
       <p:ext uri="{BB962C8B-B14F-4D97-AF65-F5344CB8AC3E}">
-        <p14:creationId xmlns:p14="http://schemas.microsoft.com/office/powerpoint/2010/main" val="1578895353"/>
+        <p14:creationId xmlns:p14="http://schemas.microsoft.com/office/powerpoint/2010/main" val="309982024"/>
       </p:ext>
     </p:extLst>
   </p:cSld>
@@ -6704,6 +6991,148 @@
           <a:p>
             <a:r>
               <a:rPr lang="de-DE" dirty="0" smtClean="0"/>
+              <a:t>Stand von Tag 2</a:t>
+            </a:r>
+            <a:endParaRPr lang="de-DE" dirty="0"/>
+          </a:p>
+        </p:txBody>
+      </p:sp>
+      <p:sp>
+        <p:nvSpPr>
+          <p:cNvPr id="3" name="Textplatzhalter 2"/>
+          <p:cNvSpPr>
+            <a:spLocks noGrp="1"/>
+          </p:cNvSpPr>
+          <p:nvPr>
+            <p:ph type="body" idx="1"/>
+          </p:nvPr>
+        </p:nvSpPr>
+        <p:spPr/>
+        <p:txBody>
+          <a:bodyPr/>
+          <a:lstStyle/>
+          <a:p>
+            <a:endParaRPr lang="de-DE"/>
+          </a:p>
+        </p:txBody>
+      </p:sp>
+      <p:sp>
+        <p:nvSpPr>
+          <p:cNvPr id="4" name="Datumsplatzhalter 3"/>
+          <p:cNvSpPr>
+            <a:spLocks noGrp="1"/>
+          </p:cNvSpPr>
+          <p:nvPr>
+            <p:ph type="dt" sz="half" idx="10"/>
+          </p:nvPr>
+        </p:nvSpPr>
+        <p:spPr/>
+        <p:txBody>
+          <a:bodyPr/>
+          <a:lstStyle/>
+          <a:p>
+            <a:r>
+              <a:rPr lang="de-DE" smtClean="0"/>
+              <a:t>1.0.1019 © Javacream</a:t>
+            </a:r>
+            <a:endParaRPr lang="de-DE" dirty="0"/>
+          </a:p>
+        </p:txBody>
+      </p:sp>
+      <p:sp>
+        <p:nvSpPr>
+          <p:cNvPr id="5" name="Fußzeilenplatzhalter 4"/>
+          <p:cNvSpPr>
+            <a:spLocks noGrp="1"/>
+          </p:cNvSpPr>
+          <p:nvPr>
+            <p:ph type="ftr" sz="quarter" idx="11"/>
+          </p:nvPr>
+        </p:nvSpPr>
+        <p:spPr/>
+        <p:txBody>
+          <a:bodyPr/>
+          <a:lstStyle/>
+          <a:p>
+            <a:r>
+              <a:rPr lang="de-DE" smtClean="0"/>
+              <a:t>Spring Boot und Spring Cloud</a:t>
+            </a:r>
+            <a:endParaRPr lang="de-DE"/>
+          </a:p>
+        </p:txBody>
+      </p:sp>
+      <p:sp>
+        <p:nvSpPr>
+          <p:cNvPr id="6" name="Foliennummernplatzhalter 5"/>
+          <p:cNvSpPr>
+            <a:spLocks noGrp="1"/>
+          </p:cNvSpPr>
+          <p:nvPr>
+            <p:ph type="sldNum" sz="quarter" idx="12"/>
+          </p:nvPr>
+        </p:nvSpPr>
+        <p:spPr/>
+        <p:txBody>
+          <a:bodyPr/>
+          <a:lstStyle/>
+          <a:p>
+            <a:fld id="{C35CD64B-6327-40EA-B694-C6A036D8539A}" type="slidenum">
+              <a:rPr lang="de-DE" smtClean="0"/>
+              <a:pPr/>
+              <a:t>5</a:t>
+            </a:fld>
+            <a:endParaRPr lang="de-DE"/>
+          </a:p>
+        </p:txBody>
+      </p:sp>
+    </p:spTree>
+    <p:extLst>
+      <p:ext uri="{BB962C8B-B14F-4D97-AF65-F5344CB8AC3E}">
+        <p14:creationId xmlns:p14="http://schemas.microsoft.com/office/powerpoint/2010/main" val="1578895353"/>
+      </p:ext>
+    </p:extLst>
+  </p:cSld>
+  <p:clrMapOvr>
+    <a:masterClrMapping/>
+  </p:clrMapOvr>
+</p:sld>
+</file>
+
+<file path=ppt/slides/slide6.xml><?xml version="1.0" encoding="utf-8"?>
+<p:sld xmlns:a="http://schemas.openxmlformats.org/drawingml/2006/main" xmlns:r="http://schemas.openxmlformats.org/officeDocument/2006/relationships" xmlns:p="http://schemas.openxmlformats.org/presentationml/2006/main">
+  <p:cSld>
+    <p:spTree>
+      <p:nvGrpSpPr>
+        <p:cNvPr id="1" name=""/>
+        <p:cNvGrpSpPr/>
+        <p:nvPr/>
+      </p:nvGrpSpPr>
+      <p:grpSpPr>
+        <a:xfrm>
+          <a:off x="0" y="0"/>
+          <a:ext cx="0" cy="0"/>
+          <a:chOff x="0" y="0"/>
+          <a:chExt cx="0" cy="0"/>
+        </a:xfrm>
+      </p:grpSpPr>
+      <p:sp>
+        <p:nvSpPr>
+          <p:cNvPr id="2" name="Titel 1"/>
+          <p:cNvSpPr>
+            <a:spLocks noGrp="1"/>
+          </p:cNvSpPr>
+          <p:nvPr>
+            <p:ph type="title"/>
+          </p:nvPr>
+        </p:nvSpPr>
+        <p:spPr/>
+        <p:txBody>
+          <a:bodyPr/>
+          <a:lstStyle/>
+          <a:p>
+            <a:r>
+              <a:rPr lang="de-DE" dirty="0" smtClean="0"/>
               <a:t>Anwendungen und die </a:t>
             </a:r>
             <a:r>
@@ -6778,7 +7207,7 @@
             <a:fld id="{C35CD64B-6327-40EA-B694-C6A036D8539A}" type="slidenum">
               <a:rPr lang="de-DE" smtClean="0"/>
               <a:pPr/>
-              <a:t>5</a:t>
+              <a:t>6</a:t>
             </a:fld>
             <a:endParaRPr lang="de-DE" dirty="0"/>
           </a:p>
@@ -7542,198 +7971,6 @@
 </p:sld>
 </file>
 
-<file path=ppt/slides/slide6.xml><?xml version="1.0" encoding="utf-8"?>
-<p:sld xmlns:a="http://schemas.openxmlformats.org/drawingml/2006/main" xmlns:r="http://schemas.openxmlformats.org/officeDocument/2006/relationships" xmlns:p="http://schemas.openxmlformats.org/presentationml/2006/main">
-  <p:cSld>
-    <p:spTree>
-      <p:nvGrpSpPr>
-        <p:cNvPr id="1" name=""/>
-        <p:cNvGrpSpPr/>
-        <p:nvPr/>
-      </p:nvGrpSpPr>
-      <p:grpSpPr>
-        <a:xfrm>
-          <a:off x="0" y="0"/>
-          <a:ext cx="0" cy="0"/>
-          <a:chOff x="0" y="0"/>
-          <a:chExt cx="0" cy="0"/>
-        </a:xfrm>
-      </p:grpSpPr>
-      <p:sp>
-        <p:nvSpPr>
-          <p:cNvPr id="2" name="Titel 1"/>
-          <p:cNvSpPr>
-            <a:spLocks noGrp="1"/>
-          </p:cNvSpPr>
-          <p:nvPr>
-            <p:ph type="title"/>
-          </p:nvPr>
-        </p:nvSpPr>
-        <p:spPr/>
-        <p:txBody>
-          <a:bodyPr/>
-          <a:lstStyle/>
-          <a:p>
-            <a:r>
-              <a:rPr lang="de-DE" dirty="0" smtClean="0"/>
-              <a:t>Unsere Anwendung</a:t>
-            </a:r>
-            <a:endParaRPr lang="de-DE" dirty="0"/>
-          </a:p>
-        </p:txBody>
-      </p:sp>
-      <p:sp>
-        <p:nvSpPr>
-          <p:cNvPr id="3" name="Datumsplatzhalter 2"/>
-          <p:cNvSpPr>
-            <a:spLocks noGrp="1"/>
-          </p:cNvSpPr>
-          <p:nvPr>
-            <p:ph type="dt" sz="half" idx="10"/>
-          </p:nvPr>
-        </p:nvSpPr>
-        <p:spPr/>
-        <p:txBody>
-          <a:bodyPr/>
-          <a:lstStyle/>
-          <a:p>
-            <a:r>
-              <a:rPr lang="de-DE" smtClean="0"/>
-              <a:t>1.0.1019 © Javacream</a:t>
-            </a:r>
-            <a:endParaRPr lang="de-DE" dirty="0"/>
-          </a:p>
-        </p:txBody>
-      </p:sp>
-      <p:sp>
-        <p:nvSpPr>
-          <p:cNvPr id="4" name="Fußzeilenplatzhalter 3"/>
-          <p:cNvSpPr>
-            <a:spLocks noGrp="1"/>
-          </p:cNvSpPr>
-          <p:nvPr>
-            <p:ph type="ftr" sz="quarter" idx="11"/>
-          </p:nvPr>
-        </p:nvSpPr>
-        <p:spPr/>
-        <p:txBody>
-          <a:bodyPr/>
-          <a:lstStyle/>
-          <a:p>
-            <a:r>
-              <a:rPr lang="de-DE" smtClean="0"/>
-              <a:t>Spring Boot und Spring Cloud</a:t>
-            </a:r>
-            <a:endParaRPr lang="de-DE" dirty="0"/>
-          </a:p>
-        </p:txBody>
-      </p:sp>
-      <p:sp>
-        <p:nvSpPr>
-          <p:cNvPr id="5" name="Foliennummernplatzhalter 4"/>
-          <p:cNvSpPr>
-            <a:spLocks noGrp="1"/>
-          </p:cNvSpPr>
-          <p:nvPr>
-            <p:ph type="sldNum" sz="quarter" idx="12"/>
-          </p:nvPr>
-        </p:nvSpPr>
-        <p:spPr/>
-        <p:txBody>
-          <a:bodyPr/>
-          <a:lstStyle/>
-          <a:p>
-            <a:fld id="{C35CD64B-6327-40EA-B694-C6A036D8539A}" type="slidenum">
-              <a:rPr lang="de-DE" smtClean="0"/>
-              <a:pPr/>
-              <a:t>6</a:t>
-            </a:fld>
-            <a:endParaRPr lang="de-DE" dirty="0"/>
-          </a:p>
-        </p:txBody>
-      </p:sp>
-      <p:sp>
-        <p:nvSpPr>
-          <p:cNvPr id="6" name="Inhaltsplatzhalter 5"/>
-          <p:cNvSpPr>
-            <a:spLocks noGrp="1"/>
-          </p:cNvSpPr>
-          <p:nvPr>
-            <p:ph idx="1"/>
-          </p:nvPr>
-        </p:nvSpPr>
-        <p:spPr/>
-        <p:txBody>
-          <a:bodyPr/>
-          <a:lstStyle/>
-          <a:p>
-            <a:r>
-              <a:rPr lang="de-DE" dirty="0" smtClean="0"/>
-              <a:t>Drei </a:t>
-            </a:r>
-            <a:r>
-              <a:rPr lang="de-DE" dirty="0" err="1" smtClean="0"/>
-              <a:t>Applications</a:t>
-            </a:r>
-            <a:endParaRPr lang="de-DE" dirty="0" smtClean="0"/>
-          </a:p>
-          <a:p>
-            <a:pPr lvl="1"/>
-            <a:r>
-              <a:rPr lang="de-DE" dirty="0" smtClean="0"/>
-              <a:t>Books</a:t>
-            </a:r>
-          </a:p>
-          <a:p>
-            <a:pPr lvl="1"/>
-            <a:r>
-              <a:rPr lang="de-DE" dirty="0" smtClean="0"/>
-              <a:t>Store</a:t>
-            </a:r>
-          </a:p>
-          <a:p>
-            <a:pPr lvl="1"/>
-            <a:r>
-              <a:rPr lang="de-DE" dirty="0" smtClean="0"/>
-              <a:t>Content</a:t>
-            </a:r>
-          </a:p>
-          <a:p>
-            <a:r>
-              <a:rPr lang="de-DE" dirty="0" smtClean="0"/>
-              <a:t>Books selbst besteht aktuell aus den internen Services</a:t>
-            </a:r>
-          </a:p>
-          <a:p>
-            <a:pPr lvl="1"/>
-            <a:r>
-              <a:rPr lang="de-DE" dirty="0" smtClean="0"/>
-              <a:t>Books Warehouse</a:t>
-            </a:r>
-          </a:p>
-          <a:p>
-            <a:pPr lvl="1"/>
-            <a:r>
-              <a:rPr lang="de-DE" dirty="0" err="1" smtClean="0"/>
-              <a:t>IsbnGenerator</a:t>
-            </a:r>
-            <a:endParaRPr lang="de-DE" dirty="0"/>
-          </a:p>
-        </p:txBody>
-      </p:sp>
-    </p:spTree>
-    <p:extLst>
-      <p:ext uri="{BB962C8B-B14F-4D97-AF65-F5344CB8AC3E}">
-        <p14:creationId xmlns:p14="http://schemas.microsoft.com/office/powerpoint/2010/main" val="1313806277"/>
-      </p:ext>
-    </p:extLst>
-  </p:cSld>
-  <p:clrMapOvr>
-    <a:masterClrMapping/>
-  </p:clrMapOvr>
-</p:sld>
-</file>
-
 <file path=ppt/slides/slide7.xml><?xml version="1.0" encoding="utf-8"?>
 <p:sld xmlns:a="http://schemas.openxmlformats.org/drawingml/2006/main" xmlns:r="http://schemas.openxmlformats.org/officeDocument/2006/relationships" xmlns:p="http://schemas.openxmlformats.org/presentationml/2006/main">
   <p:cSld>
@@ -7861,71 +8098,53 @@
           <a:p>
             <a:r>
               <a:rPr lang="de-DE" dirty="0" smtClean="0"/>
-              <a:t>Abhängigkeiten</a:t>
-            </a:r>
+              <a:t>Drei </a:t>
+            </a:r>
+            <a:r>
+              <a:rPr lang="de-DE" dirty="0" err="1" smtClean="0"/>
+              <a:t>Applications</a:t>
+            </a:r>
+            <a:endParaRPr lang="de-DE" dirty="0" smtClean="0"/>
           </a:p>
           <a:p>
             <a:pPr lvl="1"/>
             <a:r>
               <a:rPr lang="de-DE" dirty="0" smtClean="0"/>
-              <a:t>Books benutzt den Store um die Verfügbarkeit von Büchern zu bestimmen</a:t>
-            </a:r>
-          </a:p>
-          <a:p>
-            <a:pPr lvl="2"/>
+              <a:t>Books</a:t>
+            </a:r>
+          </a:p>
+          <a:p>
+            <a:pPr lvl="1"/>
             <a:r>
               <a:rPr lang="de-DE" dirty="0" smtClean="0"/>
-              <a:t>Zugriff über den </a:t>
-            </a:r>
+              <a:t>Store</a:t>
+            </a:r>
+          </a:p>
+          <a:p>
+            <a:pPr lvl="1"/>
+            <a:r>
+              <a:rPr lang="de-DE" dirty="0" smtClean="0"/>
+              <a:t>Content</a:t>
+            </a:r>
+          </a:p>
+          <a:p>
+            <a:r>
+              <a:rPr lang="de-DE" dirty="0" smtClean="0"/>
+              <a:t>Books selbst besteht aktuell aus den internen Services</a:t>
+            </a:r>
+          </a:p>
+          <a:p>
+            <a:pPr lvl="1"/>
+            <a:r>
+              <a:rPr lang="de-DE" dirty="0" smtClean="0"/>
+              <a:t>Books Warehouse</a:t>
+            </a:r>
+          </a:p>
+          <a:p>
+            <a:pPr lvl="1"/>
             <a:r>
               <a:rPr lang="de-DE" dirty="0" err="1" smtClean="0"/>
-              <a:t>ReadingStoreService</a:t>
-            </a:r>
-            <a:endParaRPr lang="de-DE" dirty="0" smtClean="0"/>
-          </a:p>
-          <a:p>
-            <a:pPr lvl="1"/>
-            <a:r>
-              <a:rPr lang="de-DE" dirty="0" smtClean="0"/>
-              <a:t>Books speichert seine Daten in einer </a:t>
-            </a:r>
-            <a:r>
-              <a:rPr lang="de-DE" dirty="0" err="1" smtClean="0"/>
-              <a:t>embedded</a:t>
-            </a:r>
-            <a:r>
-              <a:rPr lang="de-DE" dirty="0" smtClean="0"/>
-              <a:t> H2</a:t>
-            </a:r>
-          </a:p>
-          <a:p>
-            <a:pPr lvl="1"/>
-            <a:r>
-              <a:rPr lang="de-DE" dirty="0" smtClean="0"/>
-              <a:t>Store </a:t>
-            </a:r>
-            <a:r>
-              <a:rPr lang="de-DE" dirty="0"/>
-              <a:t>speichert seine Daten in einer </a:t>
-            </a:r>
-            <a:r>
-              <a:rPr lang="de-DE" dirty="0" err="1"/>
-              <a:t>embedded</a:t>
-            </a:r>
-            <a:r>
-              <a:rPr lang="de-DE" dirty="0"/>
-              <a:t> </a:t>
-            </a:r>
-            <a:r>
-              <a:rPr lang="de-DE" dirty="0" smtClean="0"/>
-              <a:t>H2</a:t>
-            </a:r>
-          </a:p>
-          <a:p>
-            <a:pPr lvl="1"/>
-            <a:r>
-              <a:rPr lang="de-DE" dirty="0" smtClean="0"/>
-              <a:t>Content ist aktuell eine völlig separate Anwendung ohne Persistenz</a:t>
+              <a:t>IsbnGenerator</a:t>
             </a:r>
             <a:endParaRPr lang="de-DE" dirty="0"/>
           </a:p>
@@ -7934,7 +8153,7 @@
     </p:spTree>
     <p:extLst>
       <p:ext uri="{BB962C8B-B14F-4D97-AF65-F5344CB8AC3E}">
-        <p14:creationId xmlns:p14="http://schemas.microsoft.com/office/powerpoint/2010/main" val="2548921376"/>
+        <p14:creationId xmlns:p14="http://schemas.microsoft.com/office/powerpoint/2010/main" val="1313806277"/>
       </p:ext>
     </p:extLst>
   </p:cSld>
@@ -7978,38 +8197,15 @@
           <a:p>
             <a:r>
               <a:rPr lang="de-DE" dirty="0" smtClean="0"/>
-              <a:t>Spring </a:t>
-            </a:r>
-            <a:r>
-              <a:rPr lang="de-DE" dirty="0" err="1" smtClean="0"/>
-              <a:t>Config</a:t>
-            </a:r>
-            <a:endParaRPr lang="de-DE" dirty="0"/>
-          </a:p>
-        </p:txBody>
-      </p:sp>
-      <p:sp>
-        <p:nvSpPr>
-          <p:cNvPr id="3" name="Textplatzhalter 2"/>
-          <p:cNvSpPr>
-            <a:spLocks noGrp="1"/>
-          </p:cNvSpPr>
-          <p:nvPr>
-            <p:ph type="body" idx="1"/>
-          </p:nvPr>
-        </p:nvSpPr>
-        <p:spPr/>
-        <p:txBody>
-          <a:bodyPr/>
-          <a:lstStyle/>
-          <a:p>
-            <a:endParaRPr lang="de-DE"/>
-          </a:p>
-        </p:txBody>
-      </p:sp>
-      <p:sp>
-        <p:nvSpPr>
-          <p:cNvPr id="4" name="Datumsplatzhalter 3"/>
+              <a:t>Unsere Anwendung</a:t>
+            </a:r>
+            <a:endParaRPr lang="de-DE" dirty="0"/>
+          </a:p>
+        </p:txBody>
+      </p:sp>
+      <p:sp>
+        <p:nvSpPr>
+          <p:cNvPr id="3" name="Datumsplatzhalter 2"/>
           <p:cNvSpPr>
             <a:spLocks noGrp="1"/>
           </p:cNvSpPr>
@@ -8032,7 +8228,7 @@
       </p:sp>
       <p:sp>
         <p:nvSpPr>
-          <p:cNvPr id="5" name="Fußzeilenplatzhalter 4"/>
+          <p:cNvPr id="4" name="Fußzeilenplatzhalter 3"/>
           <p:cNvSpPr>
             <a:spLocks noGrp="1"/>
           </p:cNvSpPr>
@@ -8049,13 +8245,13 @@
               <a:rPr lang="de-DE" smtClean="0"/>
               <a:t>Spring Boot und Spring Cloud</a:t>
             </a:r>
-            <a:endParaRPr lang="de-DE"/>
-          </a:p>
-        </p:txBody>
-      </p:sp>
-      <p:sp>
-        <p:nvSpPr>
-          <p:cNvPr id="6" name="Foliennummernplatzhalter 5"/>
+            <a:endParaRPr lang="de-DE" dirty="0"/>
+          </a:p>
+        </p:txBody>
+      </p:sp>
+      <p:sp>
+        <p:nvSpPr>
+          <p:cNvPr id="5" name="Foliennummernplatzhalter 4"/>
           <p:cNvSpPr>
             <a:spLocks noGrp="1"/>
           </p:cNvSpPr>
@@ -8073,14 +8269,101 @@
               <a:pPr/>
               <a:t>8</a:t>
             </a:fld>
-            <a:endParaRPr lang="de-DE"/>
+            <a:endParaRPr lang="de-DE" dirty="0"/>
+          </a:p>
+        </p:txBody>
+      </p:sp>
+      <p:sp>
+        <p:nvSpPr>
+          <p:cNvPr id="6" name="Inhaltsplatzhalter 5"/>
+          <p:cNvSpPr>
+            <a:spLocks noGrp="1"/>
+          </p:cNvSpPr>
+          <p:nvPr>
+            <p:ph idx="1"/>
+          </p:nvPr>
+        </p:nvSpPr>
+        <p:spPr/>
+        <p:txBody>
+          <a:bodyPr/>
+          <a:lstStyle/>
+          <a:p>
+            <a:r>
+              <a:rPr lang="de-DE" dirty="0" smtClean="0"/>
+              <a:t>Abhängigkeiten</a:t>
+            </a:r>
+          </a:p>
+          <a:p>
+            <a:pPr lvl="1"/>
+            <a:r>
+              <a:rPr lang="de-DE" dirty="0" smtClean="0"/>
+              <a:t>Books benutzt den Store um die Verfügbarkeit von Büchern zu bestimmen</a:t>
+            </a:r>
+          </a:p>
+          <a:p>
+            <a:pPr lvl="2"/>
+            <a:r>
+              <a:rPr lang="de-DE" dirty="0" smtClean="0"/>
+              <a:t>Zugriff über den </a:t>
+            </a:r>
+            <a:r>
+              <a:rPr lang="de-DE" dirty="0" err="1" smtClean="0"/>
+              <a:t>ReadingStoreService</a:t>
+            </a:r>
+            <a:endParaRPr lang="de-DE" dirty="0" smtClean="0"/>
+          </a:p>
+          <a:p>
+            <a:pPr lvl="1"/>
+            <a:r>
+              <a:rPr lang="de-DE" dirty="0" smtClean="0"/>
+              <a:t>Books speichert seine Daten in einer </a:t>
+            </a:r>
+            <a:r>
+              <a:rPr lang="de-DE" dirty="0" err="1" smtClean="0"/>
+              <a:t>embedded</a:t>
+            </a:r>
+            <a:r>
+              <a:rPr lang="de-DE" dirty="0" smtClean="0"/>
+              <a:t> H2</a:t>
+            </a:r>
+          </a:p>
+          <a:p>
+            <a:pPr lvl="1"/>
+            <a:r>
+              <a:rPr lang="de-DE" dirty="0" smtClean="0"/>
+              <a:t>Store </a:t>
+            </a:r>
+            <a:r>
+              <a:rPr lang="de-DE" dirty="0"/>
+              <a:t>speichert seine Daten in einer </a:t>
+            </a:r>
+            <a:r>
+              <a:rPr lang="de-DE" dirty="0" err="1"/>
+              <a:t>embedded</a:t>
+            </a:r>
+            <a:r>
+              <a:rPr lang="de-DE" dirty="0"/>
+              <a:t> </a:t>
+            </a:r>
+            <a:r>
+              <a:rPr lang="de-DE" dirty="0" smtClean="0"/>
+              <a:t>H2</a:t>
+            </a:r>
+          </a:p>
+          <a:p>
+            <a:pPr lvl="1"/>
+            <a:r>
+              <a:rPr lang="de-DE" dirty="0" smtClean="0"/>
+              <a:t>Content ist aktuell eine völlig separate Anwendung ohne Persistenz</a:t>
+            </a:r>
+            <a:endParaRPr lang="de-DE" dirty="0"/>
           </a:p>
         </p:txBody>
       </p:sp>
     </p:spTree>
     <p:extLst>
       <p:ext uri="{BB962C8B-B14F-4D97-AF65-F5344CB8AC3E}">
-        <p14:creationId xmlns:p14="http://schemas.microsoft.com/office/powerpoint/2010/main" val="3530410381"/>
+        <p14:creationId xmlns:p14="http://schemas.microsoft.com/office/powerpoint/2010/main" val="2548921376"/>
       </p:ext>
     </p:extLst>
   </p:cSld>
@@ -8124,15 +8407,38 @@
           <a:p>
             <a:r>
               <a:rPr lang="de-DE" dirty="0" smtClean="0"/>
-              <a:t>Konfiguration bisher</a:t>
-            </a:r>
-            <a:endParaRPr lang="de-DE" dirty="0"/>
-          </a:p>
-        </p:txBody>
-      </p:sp>
-      <p:sp>
-        <p:nvSpPr>
-          <p:cNvPr id="3" name="Datumsplatzhalter 2"/>
+              <a:t>Spring </a:t>
+            </a:r>
+            <a:r>
+              <a:rPr lang="de-DE" dirty="0" err="1" smtClean="0"/>
+              <a:t>Config</a:t>
+            </a:r>
+            <a:endParaRPr lang="de-DE" dirty="0"/>
+          </a:p>
+        </p:txBody>
+      </p:sp>
+      <p:sp>
+        <p:nvSpPr>
+          <p:cNvPr id="3" name="Textplatzhalter 2"/>
+          <p:cNvSpPr>
+            <a:spLocks noGrp="1"/>
+          </p:cNvSpPr>
+          <p:nvPr>
+            <p:ph type="body" idx="1"/>
+          </p:nvPr>
+        </p:nvSpPr>
+        <p:spPr/>
+        <p:txBody>
+          <a:bodyPr/>
+          <a:lstStyle/>
+          <a:p>
+            <a:endParaRPr lang="de-DE"/>
+          </a:p>
+        </p:txBody>
+      </p:sp>
+      <p:sp>
+        <p:nvSpPr>
+          <p:cNvPr id="4" name="Datumsplatzhalter 3"/>
           <p:cNvSpPr>
             <a:spLocks noGrp="1"/>
           </p:cNvSpPr>
@@ -8155,7 +8461,7 @@
       </p:sp>
       <p:sp>
         <p:nvSpPr>
-          <p:cNvPr id="4" name="Fußzeilenplatzhalter 3"/>
+          <p:cNvPr id="5" name="Fußzeilenplatzhalter 4"/>
           <p:cNvSpPr>
             <a:spLocks noGrp="1"/>
           </p:cNvSpPr>
@@ -8172,13 +8478,13 @@
               <a:rPr lang="de-DE" smtClean="0"/>
               <a:t>Spring Boot und Spring Cloud</a:t>
             </a:r>
-            <a:endParaRPr lang="de-DE" dirty="0"/>
-          </a:p>
-        </p:txBody>
-      </p:sp>
-      <p:sp>
-        <p:nvSpPr>
-          <p:cNvPr id="5" name="Foliennummernplatzhalter 4"/>
+            <a:endParaRPr lang="de-DE"/>
+          </a:p>
+        </p:txBody>
+      </p:sp>
+      <p:sp>
+        <p:nvSpPr>
+          <p:cNvPr id="6" name="Foliennummernplatzhalter 5"/>
           <p:cNvSpPr>
             <a:spLocks noGrp="1"/>
           </p:cNvSpPr>
@@ -8196,80 +8502,14 @@
               <a:pPr/>
               <a:t>9</a:t>
             </a:fld>
-            <a:endParaRPr lang="de-DE" dirty="0"/>
-          </a:p>
-        </p:txBody>
-      </p:sp>
-      <p:sp>
-        <p:nvSpPr>
-          <p:cNvPr id="6" name="Inhaltsplatzhalter 5"/>
-          <p:cNvSpPr>
-            <a:spLocks noGrp="1"/>
-          </p:cNvSpPr>
-          <p:nvPr>
-            <p:ph idx="1"/>
-          </p:nvPr>
-        </p:nvSpPr>
-        <p:spPr/>
-        <p:txBody>
-          <a:bodyPr/>
-          <a:lstStyle/>
-          <a:p>
-            <a:r>
-              <a:rPr lang="de-DE" dirty="0" smtClean="0"/>
-              <a:t>Jedes API-Projekt besitzt eine eigene Konfiguration</a:t>
-            </a:r>
-          </a:p>
-          <a:p>
-            <a:pPr lvl="1"/>
-            <a:r>
-              <a:rPr lang="de-DE" dirty="0" smtClean="0"/>
-              <a:t>vorwiegend zur Definition von Unit-Tests</a:t>
-            </a:r>
-          </a:p>
-          <a:p>
-            <a:r>
-              <a:rPr lang="de-DE" dirty="0" smtClean="0"/>
-              <a:t>Jede </a:t>
-            </a:r>
-            <a:r>
-              <a:rPr lang="de-DE" dirty="0" err="1" smtClean="0"/>
-              <a:t>Executable</a:t>
-            </a:r>
-            <a:r>
-              <a:rPr lang="de-DE" dirty="0" smtClean="0"/>
-              <a:t> besitzt die gesamte Konfiguration der laufenden Anwendung</a:t>
-            </a:r>
-          </a:p>
-          <a:p>
-            <a:pPr lvl="1"/>
-            <a:r>
-              <a:rPr lang="de-DE" dirty="0" smtClean="0"/>
-              <a:t>Teilweise mit Redundanzen zum API-Projekt</a:t>
-            </a:r>
-          </a:p>
-          <a:p>
-            <a:pPr lvl="2"/>
-            <a:r>
-              <a:rPr lang="de-DE" dirty="0" smtClean="0"/>
-              <a:t>Könnte mit </a:t>
-            </a:r>
-            <a:r>
-              <a:rPr lang="de-DE" dirty="0" err="1" smtClean="0"/>
-              <a:t>Profiles</a:t>
-            </a:r>
-            <a:r>
-              <a:rPr lang="de-DE" dirty="0" smtClean="0"/>
-              <a:t> gelöst werden…</a:t>
-            </a:r>
-            <a:endParaRPr lang="de-DE" dirty="0"/>
+            <a:endParaRPr lang="de-DE"/>
           </a:p>
         </p:txBody>
       </p:sp>
     </p:spTree>
     <p:extLst>
       <p:ext uri="{BB962C8B-B14F-4D97-AF65-F5344CB8AC3E}">
-        <p14:creationId xmlns:p14="http://schemas.microsoft.com/office/powerpoint/2010/main" val="640931564"/>
+        <p14:creationId xmlns:p14="http://schemas.microsoft.com/office/powerpoint/2010/main" val="3530410381"/>
       </p:ext>
     </p:extLst>
   </p:cSld>

--- a/Techem Spring Cloud.pptx
+++ b/Techem Spring Cloud.pptx
@@ -211,7 +211,7 @@
           <a:p>
             <a:fld id="{85754AE8-F999-41F0-BA66-F96114617649}" type="datetimeFigureOut">
               <a:rPr lang="de-DE" smtClean="0"/>
-              <a:t>18.03.2020</a:t>
+              <a:t>19.03.2020</a:t>
             </a:fld>
             <a:endParaRPr lang="de-DE"/>
           </a:p>
@@ -1115,7 +1115,7 @@
           <p:cNvPr id="6" name="Datumsplatzhalter 5">
             <a:extLst>
               <a:ext uri="{FF2B5EF4-FFF2-40B4-BE49-F238E27FC236}">
-                <a16:creationId xmlns:a16="http://schemas.microsoft.com/office/drawing/2014/main" xmlns="" id="{9515FE13-AC0F-A441-BB41-B4977ED536C5}"/>
+                <a16:creationId xmlns="" xmlns:a16="http://schemas.microsoft.com/office/drawing/2014/main" id="{9515FE13-AC0F-A441-BB41-B4977ED536C5}"/>
               </a:ext>
             </a:extLst>
           </p:cNvPr>
@@ -1144,7 +1144,7 @@
           <p:cNvPr id="7" name="Fußzeilenplatzhalter 6">
             <a:extLst>
               <a:ext uri="{FF2B5EF4-FFF2-40B4-BE49-F238E27FC236}">
-                <a16:creationId xmlns:a16="http://schemas.microsoft.com/office/drawing/2014/main" xmlns="" id="{FF27A7FF-463E-204E-9CEC-A6AC5E74838D}"/>
+                <a16:creationId xmlns="" xmlns:a16="http://schemas.microsoft.com/office/drawing/2014/main" id="{FF27A7FF-463E-204E-9CEC-A6AC5E74838D}"/>
               </a:ext>
             </a:extLst>
           </p:cNvPr>
@@ -1173,7 +1173,7 @@
           <p:cNvPr id="8" name="Foliennummernplatzhalter 7">
             <a:extLst>
               <a:ext uri="{FF2B5EF4-FFF2-40B4-BE49-F238E27FC236}">
-                <a16:creationId xmlns:a16="http://schemas.microsoft.com/office/drawing/2014/main" xmlns="" id="{9B370C5F-9464-6349-ADA0-350E0E925858}"/>
+                <a16:creationId xmlns="" xmlns:a16="http://schemas.microsoft.com/office/drawing/2014/main" id="{9B370C5F-9464-6349-ADA0-350E0E925858}"/>
               </a:ext>
             </a:extLst>
           </p:cNvPr>
@@ -2128,7 +2128,7 @@
           <p:cNvPr id="8" name="Datumsplatzhalter 7">
             <a:extLst>
               <a:ext uri="{FF2B5EF4-FFF2-40B4-BE49-F238E27FC236}">
-                <a16:creationId xmlns:a16="http://schemas.microsoft.com/office/drawing/2014/main" xmlns="" id="{5C1633E4-9377-3D40-89DC-F89FB735A088}"/>
+                <a16:creationId xmlns="" xmlns:a16="http://schemas.microsoft.com/office/drawing/2014/main" id="{5C1633E4-9377-3D40-89DC-F89FB735A088}"/>
               </a:ext>
             </a:extLst>
           </p:cNvPr>
@@ -2157,7 +2157,7 @@
           <p:cNvPr id="9" name="Fußzeilenplatzhalter 8">
             <a:extLst>
               <a:ext uri="{FF2B5EF4-FFF2-40B4-BE49-F238E27FC236}">
-                <a16:creationId xmlns:a16="http://schemas.microsoft.com/office/drawing/2014/main" xmlns="" id="{66FB4C1B-6CE1-BA45-93E0-6EF594CC4F87}"/>
+                <a16:creationId xmlns="" xmlns:a16="http://schemas.microsoft.com/office/drawing/2014/main" id="{66FB4C1B-6CE1-BA45-93E0-6EF594CC4F87}"/>
               </a:ext>
             </a:extLst>
           </p:cNvPr>
@@ -2186,7 +2186,7 @@
           <p:cNvPr id="10" name="Foliennummernplatzhalter 9">
             <a:extLst>
               <a:ext uri="{FF2B5EF4-FFF2-40B4-BE49-F238E27FC236}">
-                <a16:creationId xmlns:a16="http://schemas.microsoft.com/office/drawing/2014/main" xmlns="" id="{F9D74992-862A-FD4F-9B7B-D381264DDE0D}"/>
+                <a16:creationId xmlns="" xmlns:a16="http://schemas.microsoft.com/office/drawing/2014/main" id="{F9D74992-862A-FD4F-9B7B-D381264DDE0D}"/>
               </a:ext>
             </a:extLst>
           </p:cNvPr>
@@ -2587,7 +2587,7 @@
           <p:cNvPr id="10" name="Datumsplatzhalter 9">
             <a:extLst>
               <a:ext uri="{FF2B5EF4-FFF2-40B4-BE49-F238E27FC236}">
-                <a16:creationId xmlns:a16="http://schemas.microsoft.com/office/drawing/2014/main" xmlns="" id="{8FBD8FD4-0261-AC4F-827E-9503172113F7}"/>
+                <a16:creationId xmlns="" xmlns:a16="http://schemas.microsoft.com/office/drawing/2014/main" id="{8FBD8FD4-0261-AC4F-827E-9503172113F7}"/>
               </a:ext>
             </a:extLst>
           </p:cNvPr>
@@ -2616,7 +2616,7 @@
           <p:cNvPr id="11" name="Fußzeilenplatzhalter 10">
             <a:extLst>
               <a:ext uri="{FF2B5EF4-FFF2-40B4-BE49-F238E27FC236}">
-                <a16:creationId xmlns:a16="http://schemas.microsoft.com/office/drawing/2014/main" xmlns="" id="{117D95D8-0AE8-044E-A3DE-D007B8CBFEF7}"/>
+                <a16:creationId xmlns="" xmlns:a16="http://schemas.microsoft.com/office/drawing/2014/main" id="{117D95D8-0AE8-044E-A3DE-D007B8CBFEF7}"/>
               </a:ext>
             </a:extLst>
           </p:cNvPr>
@@ -2645,7 +2645,7 @@
           <p:cNvPr id="12" name="Foliennummernplatzhalter 11">
             <a:extLst>
               <a:ext uri="{FF2B5EF4-FFF2-40B4-BE49-F238E27FC236}">
-                <a16:creationId xmlns:a16="http://schemas.microsoft.com/office/drawing/2014/main" xmlns="" id="{928E8651-8196-2B47-ACFF-17A9B60DD80B}"/>
+                <a16:creationId xmlns="" xmlns:a16="http://schemas.microsoft.com/office/drawing/2014/main" id="{928E8651-8196-2B47-ACFF-17A9B60DD80B}"/>
               </a:ext>
             </a:extLst>
           </p:cNvPr>
@@ -2956,7 +2956,7 @@
           <p:cNvPr id="9" name="Datumsplatzhalter 8">
             <a:extLst>
               <a:ext uri="{FF2B5EF4-FFF2-40B4-BE49-F238E27FC236}">
-                <a16:creationId xmlns:a16="http://schemas.microsoft.com/office/drawing/2014/main" xmlns="" id="{908931CD-3FC1-6D4A-9D97-7B9D9B6029D7}"/>
+                <a16:creationId xmlns="" xmlns:a16="http://schemas.microsoft.com/office/drawing/2014/main" id="{908931CD-3FC1-6D4A-9D97-7B9D9B6029D7}"/>
               </a:ext>
             </a:extLst>
           </p:cNvPr>
@@ -2985,7 +2985,7 @@
           <p:cNvPr id="10" name="Fußzeilenplatzhalter 9">
             <a:extLst>
               <a:ext uri="{FF2B5EF4-FFF2-40B4-BE49-F238E27FC236}">
-                <a16:creationId xmlns:a16="http://schemas.microsoft.com/office/drawing/2014/main" xmlns="" id="{B72D7D88-85F7-EC49-B4C6-3ED8F5D66BC5}"/>
+                <a16:creationId xmlns="" xmlns:a16="http://schemas.microsoft.com/office/drawing/2014/main" id="{B72D7D88-85F7-EC49-B4C6-3ED8F5D66BC5}"/>
               </a:ext>
             </a:extLst>
           </p:cNvPr>
@@ -3014,7 +3014,7 @@
           <p:cNvPr id="11" name="Foliennummernplatzhalter 10">
             <a:extLst>
               <a:ext uri="{FF2B5EF4-FFF2-40B4-BE49-F238E27FC236}">
-                <a16:creationId xmlns:a16="http://schemas.microsoft.com/office/drawing/2014/main" xmlns="" id="{63E18A59-59B5-4B49-B2FA-57CC2D0813FC}"/>
+                <a16:creationId xmlns="" xmlns:a16="http://schemas.microsoft.com/office/drawing/2014/main" id="{63E18A59-59B5-4B49-B2FA-57CC2D0813FC}"/>
               </a:ext>
             </a:extLst>
           </p:cNvPr>
@@ -3249,7 +3249,7 @@
           <p:cNvPr id="2" name="Datumsplatzhalter 1">
             <a:extLst>
               <a:ext uri="{FF2B5EF4-FFF2-40B4-BE49-F238E27FC236}">
-                <a16:creationId xmlns:a16="http://schemas.microsoft.com/office/drawing/2014/main" xmlns="" id="{90908A56-4B20-474C-8B1D-C606A833A2B4}"/>
+                <a16:creationId xmlns="" xmlns:a16="http://schemas.microsoft.com/office/drawing/2014/main" id="{90908A56-4B20-474C-8B1D-C606A833A2B4}"/>
               </a:ext>
             </a:extLst>
           </p:cNvPr>
@@ -3278,7 +3278,7 @@
           <p:cNvPr id="9" name="Fußzeilenplatzhalter 8">
             <a:extLst>
               <a:ext uri="{FF2B5EF4-FFF2-40B4-BE49-F238E27FC236}">
-                <a16:creationId xmlns:a16="http://schemas.microsoft.com/office/drawing/2014/main" xmlns="" id="{05514699-F45F-CE46-9F96-CA29803F0B34}"/>
+                <a16:creationId xmlns="" xmlns:a16="http://schemas.microsoft.com/office/drawing/2014/main" id="{05514699-F45F-CE46-9F96-CA29803F0B34}"/>
               </a:ext>
             </a:extLst>
           </p:cNvPr>
@@ -3307,7 +3307,7 @@
           <p:cNvPr id="10" name="Foliennummernplatzhalter 9">
             <a:extLst>
               <a:ext uri="{FF2B5EF4-FFF2-40B4-BE49-F238E27FC236}">
-                <a16:creationId xmlns:a16="http://schemas.microsoft.com/office/drawing/2014/main" xmlns="" id="{2FBF68FC-4B9C-3B4E-85D0-4724A1097039}"/>
+                <a16:creationId xmlns="" xmlns:a16="http://schemas.microsoft.com/office/drawing/2014/main" id="{2FBF68FC-4B9C-3B4E-85D0-4724A1097039}"/>
               </a:ext>
             </a:extLst>
           </p:cNvPr>
@@ -4064,7 +4064,7 @@
   </p:txStyles>
   <p:extLst mod="1">
     <p:ext uri="{27BBF7A9-308A-43DC-89C8-2F10F3537804}">
-      <p15:sldGuideLst xmlns:p15="http://schemas.microsoft.com/office/powerpoint/2012/main" xmlns="">
+      <p15:sldGuideLst xmlns="" xmlns:p15="http://schemas.microsoft.com/office/powerpoint/2012/main">
         <p15:guide id="1" orient="horz" pos="2160" userDrawn="1">
           <p15:clr>
             <a:srgbClr val="F26B43"/>
@@ -4562,7 +4562,17 @@
           <a:bodyPr/>
           <a:lstStyle/>
           <a:p>
-            <a:endParaRPr lang="de-DE"/>
+            <a:r>
+              <a:rPr lang="de-DE" dirty="0" smtClean="0"/>
+              <a:t>Zentrale Konfiguration, sämtliche Services werden über diese separate Anwendung konfiguriert</a:t>
+            </a:r>
+          </a:p>
+          <a:p>
+            <a:r>
+              <a:rPr lang="de-DE" dirty="0" smtClean="0"/>
+              <a:t>Web Server</a:t>
+            </a:r>
+            <a:endParaRPr lang="de-DE" dirty="0"/>
           </a:p>
         </p:txBody>
       </p:sp>
@@ -4715,6 +4725,78 @@
             <a:r>
               <a:rPr lang="de-DE" dirty="0" err="1" smtClean="0"/>
               <a:t>solution-cloud_config</a:t>
+            </a:r>
+            <a:endParaRPr lang="de-DE" dirty="0" smtClean="0"/>
+          </a:p>
+          <a:p>
+            <a:endParaRPr lang="de-DE" dirty="0"/>
+          </a:p>
+          <a:p>
+            <a:r>
+              <a:rPr lang="de-DE" dirty="0" err="1" smtClean="0"/>
+              <a:t>ToDo</a:t>
+            </a:r>
+            <a:r>
+              <a:rPr lang="de-DE" dirty="0" smtClean="0"/>
+              <a:t>: </a:t>
+            </a:r>
+          </a:p>
+          <a:p>
+            <a:pPr lvl="1"/>
+            <a:r>
+              <a:rPr lang="de-DE" dirty="0" err="1" smtClean="0"/>
+              <a:t>Git</a:t>
+            </a:r>
+            <a:r>
+              <a:rPr lang="de-DE" dirty="0" smtClean="0"/>
+              <a:t>-Repository für die Properties-Dateien</a:t>
+            </a:r>
+            <a:endParaRPr lang="de-DE" dirty="0"/>
+          </a:p>
+          <a:p>
+            <a:pPr lvl="1"/>
+            <a:r>
+              <a:rPr lang="de-DE" dirty="0" err="1" smtClean="0"/>
+              <a:t>Config</a:t>
+            </a:r>
+            <a:r>
+              <a:rPr lang="de-DE" dirty="0" smtClean="0"/>
+              <a:t>-Server starten als Spring Boot </a:t>
+            </a:r>
+            <a:r>
+              <a:rPr lang="de-DE" dirty="0" err="1" smtClean="0"/>
+              <a:t>Application</a:t>
+            </a:r>
+            <a:endParaRPr lang="de-DE" dirty="0" smtClean="0"/>
+          </a:p>
+          <a:p>
+            <a:pPr lvl="1"/>
+            <a:r>
+              <a:rPr lang="de-DE" dirty="0" smtClean="0"/>
+              <a:t>Services müssen </a:t>
+            </a:r>
+            <a:r>
+              <a:rPr lang="de-DE" dirty="0" err="1" smtClean="0"/>
+              <a:t>umkonfiguriert</a:t>
+            </a:r>
+            <a:endParaRPr lang="de-DE" dirty="0" smtClean="0"/>
+          </a:p>
+          <a:p>
+            <a:pPr lvl="2"/>
+            <a:r>
+              <a:rPr lang="de-DE" dirty="0" err="1" smtClean="0"/>
+              <a:t>pom</a:t>
+            </a:r>
+            <a:r>
+              <a:rPr lang="de-DE" dirty="0" smtClean="0"/>
+              <a:t> </a:t>
+            </a:r>
+          </a:p>
+          <a:p>
+            <a:pPr lvl="2"/>
+            <a:r>
+              <a:rPr lang="de-DE" smtClean="0"/>
+              <a:t>application.properties</a:t>
             </a:r>
             <a:endParaRPr lang="de-DE" dirty="0"/>
           </a:p>
@@ -6929,18 +7011,14 @@
           <a:p>
             <a:pPr lvl="3"/>
             <a:r>
-              <a:rPr lang="de-DE"/>
-              <a:t>Chat </a:t>
-            </a:r>
-            <a:r>
-              <a:rPr lang="de-DE"/>
-              <a:t>oder </a:t>
-            </a:r>
-            <a:r>
-              <a:rPr lang="de-DE" smtClean="0"/>
+              <a:rPr lang="de-DE" dirty="0"/>
+              <a:t>Chat oder </a:t>
+            </a:r>
+            <a:r>
+              <a:rPr lang="de-DE" dirty="0" smtClean="0"/>
               <a:t>Wortmeldung</a:t>
             </a:r>
-            <a:endParaRPr lang="de-DE"/>
+            <a:endParaRPr lang="de-DE" dirty="0"/>
           </a:p>
         </p:txBody>
       </p:sp>
@@ -8757,7 +8835,7 @@
   <a:extraClrSchemeLst/>
   <a:extLst>
     <a:ext uri="{05A4C25C-085E-4340-85A3-A5531E510DB2}">
-      <thm15:themeFamily xmlns:thm15="http://schemas.microsoft.com/office/thememl/2012/main" xmlns="" name="Präsentation1" id="{F43A950C-3817-CB49-B35A-A5282E14158E}" vid="{E0337DBD-E2EB-B74A-BCD1-B718ED0C7F88}"/>
+      <thm15:themeFamily xmlns="" xmlns:thm15="http://schemas.microsoft.com/office/thememl/2012/main" name="Präsentation1" id="{F43A950C-3817-CB49-B35A-A5282E14158E}" vid="{E0337DBD-E2EB-B74A-BCD1-B718ED0C7F88}"/>
     </a:ext>
   </a:extLst>
 </a:theme>

--- a/Techem Spring Cloud.pptx
+++ b/Techem Spring Cloud.pptx
@@ -5,7 +5,7 @@
     <p:sldMasterId id="2147483687" r:id="rId1"/>
   </p:sldMasterIdLst>
   <p:notesMasterIdLst>
-    <p:notesMasterId r:id="rId22"/>
+    <p:notesMasterId r:id="rId23"/>
   </p:notesMasterIdLst>
   <p:sldIdLst>
     <p:sldId id="256" r:id="rId2"/>
@@ -21,13 +21,14 @@
     <p:sldId id="280" r:id="rId12"/>
     <p:sldId id="281" r:id="rId13"/>
     <p:sldId id="269" r:id="rId14"/>
-    <p:sldId id="270" r:id="rId15"/>
-    <p:sldId id="272" r:id="rId16"/>
-    <p:sldId id="271" r:id="rId17"/>
-    <p:sldId id="273" r:id="rId18"/>
-    <p:sldId id="275" r:id="rId19"/>
-    <p:sldId id="274" r:id="rId20"/>
-    <p:sldId id="264" r:id="rId21"/>
+    <p:sldId id="283" r:id="rId15"/>
+    <p:sldId id="270" r:id="rId16"/>
+    <p:sldId id="272" r:id="rId17"/>
+    <p:sldId id="271" r:id="rId18"/>
+    <p:sldId id="273" r:id="rId19"/>
+    <p:sldId id="275" r:id="rId20"/>
+    <p:sldId id="274" r:id="rId21"/>
+    <p:sldId id="264" r:id="rId22"/>
   </p:sldIdLst>
   <p:sldSz cx="9144000" cy="5143500" type="screen16x9"/>
   <p:notesSz cx="6858000" cy="9144000"/>
@@ -4572,6 +4573,64 @@
               <a:rPr lang="de-DE" dirty="0" smtClean="0"/>
               <a:t>Web Server</a:t>
             </a:r>
+          </a:p>
+          <a:p>
+            <a:pPr lvl="1"/>
+            <a:r>
+              <a:rPr lang="de-DE" dirty="0" smtClean="0"/>
+              <a:t>Endpunkte der Form &lt;</a:t>
+            </a:r>
+            <a:r>
+              <a:rPr lang="de-DE" dirty="0" err="1" smtClean="0"/>
+              <a:t>application</a:t>
+            </a:r>
+            <a:r>
+              <a:rPr lang="de-DE" dirty="0" smtClean="0"/>
+              <a:t>-name&gt;-&lt;</a:t>
+            </a:r>
+            <a:r>
+              <a:rPr lang="de-DE" dirty="0" err="1" smtClean="0"/>
+              <a:t>profile</a:t>
+            </a:r>
+            <a:r>
+              <a:rPr lang="de-DE" dirty="0" smtClean="0"/>
+              <a:t>&gt;/&lt;</a:t>
+            </a:r>
+            <a:r>
+              <a:rPr lang="de-DE" dirty="0" err="1" smtClean="0"/>
+              <a:t>label</a:t>
+            </a:r>
+            <a:r>
+              <a:rPr lang="de-DE" dirty="0" smtClean="0"/>
+              <a:t>=</a:t>
+            </a:r>
+            <a:r>
+              <a:rPr lang="de-DE" dirty="0" err="1" smtClean="0"/>
+              <a:t>stage</a:t>
+            </a:r>
+            <a:r>
+              <a:rPr lang="de-DE" dirty="0" smtClean="0"/>
+              <a:t>&gt;</a:t>
+            </a:r>
+          </a:p>
+          <a:p>
+            <a:pPr lvl="1"/>
+            <a:r>
+              <a:rPr lang="de-DE" dirty="0" smtClean="0"/>
+              <a:t>Im Hintergrund wird ein </a:t>
+            </a:r>
+            <a:r>
+              <a:rPr lang="de-DE" dirty="0" err="1" smtClean="0"/>
+              <a:t>Git</a:t>
+            </a:r>
+            <a:r>
+              <a:rPr lang="de-DE" dirty="0" smtClean="0"/>
+              <a:t>-Repository verwendet, um die Datenablage </a:t>
+            </a:r>
+            <a:r>
+              <a:rPr lang="de-DE" smtClean="0"/>
+              <a:t>so durchzuführen</a:t>
+            </a:r>
             <a:endParaRPr lang="de-DE" dirty="0"/>
           </a:p>
         </p:txBody>
@@ -4795,7 +4854,7 @@
           <a:p>
             <a:pPr lvl="2"/>
             <a:r>
-              <a:rPr lang="de-DE" smtClean="0"/>
+              <a:rPr lang="de-DE" dirty="0" err="1" smtClean="0"/>
               <a:t>application.properties</a:t>
             </a:r>
             <a:endParaRPr lang="de-DE" dirty="0"/>
@@ -4993,44 +5052,13 @@
           <a:bodyPr/>
           <a:lstStyle/>
           <a:p>
-            <a:r>
-              <a:rPr lang="de-DE" dirty="0" smtClean="0"/>
-              <a:t>Spring </a:t>
-            </a:r>
-            <a:r>
-              <a:rPr lang="de-DE" dirty="0" err="1" smtClean="0"/>
-              <a:t>Cloud</a:t>
-            </a:r>
-            <a:r>
-              <a:rPr lang="de-DE" dirty="0" smtClean="0"/>
-              <a:t> Stream</a:t>
-            </a:r>
-            <a:endParaRPr lang="de-DE" dirty="0"/>
-          </a:p>
-        </p:txBody>
-      </p:sp>
-      <p:sp>
-        <p:nvSpPr>
-          <p:cNvPr id="3" name="Textplatzhalter 2"/>
-          <p:cNvSpPr>
-            <a:spLocks noGrp="1"/>
-          </p:cNvSpPr>
-          <p:nvPr>
-            <p:ph type="body" idx="1"/>
-          </p:nvPr>
-        </p:nvSpPr>
-        <p:spPr/>
-        <p:txBody>
-          <a:bodyPr/>
-          <a:lstStyle/>
-          <a:p>
             <a:endParaRPr lang="de-DE"/>
           </a:p>
         </p:txBody>
       </p:sp>
       <p:sp>
         <p:nvSpPr>
-          <p:cNvPr id="4" name="Datumsplatzhalter 3"/>
+          <p:cNvPr id="3" name="Datumsplatzhalter 2"/>
           <p:cNvSpPr>
             <a:spLocks noGrp="1"/>
           </p:cNvSpPr>
@@ -5053,7 +5081,7 @@
       </p:sp>
       <p:sp>
         <p:nvSpPr>
-          <p:cNvPr id="5" name="Fußzeilenplatzhalter 4"/>
+          <p:cNvPr id="4" name="Fußzeilenplatzhalter 3"/>
           <p:cNvSpPr>
             <a:spLocks noGrp="1"/>
           </p:cNvSpPr>
@@ -5070,13 +5098,13 @@
               <a:rPr lang="de-DE" smtClean="0"/>
               <a:t>Spring Boot und Spring Cloud</a:t>
             </a:r>
-            <a:endParaRPr lang="de-DE"/>
-          </a:p>
-        </p:txBody>
-      </p:sp>
-      <p:sp>
-        <p:nvSpPr>
-          <p:cNvPr id="6" name="Foliennummernplatzhalter 5"/>
+            <a:endParaRPr lang="de-DE" dirty="0"/>
+          </a:p>
+        </p:txBody>
+      </p:sp>
+      <p:sp>
+        <p:nvSpPr>
+          <p:cNvPr id="5" name="Foliennummernplatzhalter 4"/>
           <p:cNvSpPr>
             <a:spLocks noGrp="1"/>
           </p:cNvSpPr>
@@ -5094,6 +5122,25 @@
               <a:pPr/>
               <a:t>14</a:t>
             </a:fld>
+            <a:endParaRPr lang="de-DE" dirty="0"/>
+          </a:p>
+        </p:txBody>
+      </p:sp>
+      <p:sp>
+        <p:nvSpPr>
+          <p:cNvPr id="6" name="Inhaltsplatzhalter 5"/>
+          <p:cNvSpPr>
+            <a:spLocks noGrp="1"/>
+          </p:cNvSpPr>
+          <p:nvPr>
+            <p:ph idx="1"/>
+          </p:nvPr>
+        </p:nvSpPr>
+        <p:spPr/>
+        <p:txBody>
+          <a:bodyPr/>
+          <a:lstStyle/>
+          <a:p>
             <a:endParaRPr lang="de-DE"/>
           </a:p>
         </p:txBody>
@@ -5101,7 +5148,7 @@
     </p:spTree>
     <p:extLst>
       <p:ext uri="{BB962C8B-B14F-4D97-AF65-F5344CB8AC3E}">
-        <p14:creationId xmlns:p14="http://schemas.microsoft.com/office/powerpoint/2010/main" val="2519944075"/>
+        <p14:creationId xmlns:p14="http://schemas.microsoft.com/office/powerpoint/2010/main" val="803767328"/>
       </p:ext>
     </p:extLst>
   </p:cSld>
@@ -5144,16 +5191,43 @@
           <a:lstStyle/>
           <a:p>
             <a:r>
+              <a:rPr lang="de-DE" dirty="0" smtClean="0"/>
+              <a:t>Spring </a:t>
+            </a:r>
+            <a:r>
               <a:rPr lang="de-DE" dirty="0" err="1" smtClean="0"/>
-              <a:t>RabbitMQ</a:t>
-            </a:r>
-            <a:endParaRPr lang="de-DE" dirty="0"/>
-          </a:p>
-        </p:txBody>
-      </p:sp>
-      <p:sp>
-        <p:nvSpPr>
-          <p:cNvPr id="3" name="Datumsplatzhalter 2"/>
+              <a:t>Cloud</a:t>
+            </a:r>
+            <a:r>
+              <a:rPr lang="de-DE" dirty="0" smtClean="0"/>
+              <a:t> Stream</a:t>
+            </a:r>
+            <a:endParaRPr lang="de-DE" dirty="0"/>
+          </a:p>
+        </p:txBody>
+      </p:sp>
+      <p:sp>
+        <p:nvSpPr>
+          <p:cNvPr id="3" name="Textplatzhalter 2"/>
+          <p:cNvSpPr>
+            <a:spLocks noGrp="1"/>
+          </p:cNvSpPr>
+          <p:nvPr>
+            <p:ph type="body" idx="1"/>
+          </p:nvPr>
+        </p:nvSpPr>
+        <p:spPr/>
+        <p:txBody>
+          <a:bodyPr/>
+          <a:lstStyle/>
+          <a:p>
+            <a:endParaRPr lang="de-DE"/>
+          </a:p>
+        </p:txBody>
+      </p:sp>
+      <p:sp>
+        <p:nvSpPr>
+          <p:cNvPr id="4" name="Datumsplatzhalter 3"/>
           <p:cNvSpPr>
             <a:spLocks noGrp="1"/>
           </p:cNvSpPr>
@@ -5176,7 +5250,7 @@
       </p:sp>
       <p:sp>
         <p:nvSpPr>
-          <p:cNvPr id="4" name="Fußzeilenplatzhalter 3"/>
+          <p:cNvPr id="5" name="Fußzeilenplatzhalter 4"/>
           <p:cNvSpPr>
             <a:spLocks noGrp="1"/>
           </p:cNvSpPr>
@@ -5193,13 +5267,13 @@
               <a:rPr lang="de-DE" smtClean="0"/>
               <a:t>Spring Boot und Spring Cloud</a:t>
             </a:r>
-            <a:endParaRPr lang="de-DE" dirty="0"/>
-          </a:p>
-        </p:txBody>
-      </p:sp>
-      <p:sp>
-        <p:nvSpPr>
-          <p:cNvPr id="5" name="Foliennummernplatzhalter 4"/>
+            <a:endParaRPr lang="de-DE"/>
+          </a:p>
+        </p:txBody>
+      </p:sp>
+      <p:sp>
+        <p:nvSpPr>
+          <p:cNvPr id="6" name="Foliennummernplatzhalter 5"/>
           <p:cNvSpPr>
             <a:spLocks noGrp="1"/>
           </p:cNvSpPr>
@@ -5217,85 +5291,14 @@
               <a:pPr/>
               <a:t>15</a:t>
             </a:fld>
-            <a:endParaRPr lang="de-DE" dirty="0"/>
-          </a:p>
-        </p:txBody>
-      </p:sp>
-      <p:sp>
-        <p:nvSpPr>
-          <p:cNvPr id="6" name="Inhaltsplatzhalter 5"/>
-          <p:cNvSpPr>
-            <a:spLocks noGrp="1"/>
-          </p:cNvSpPr>
-          <p:nvPr>
-            <p:ph idx="1"/>
-          </p:nvPr>
-        </p:nvSpPr>
-        <p:spPr/>
-        <p:txBody>
-          <a:bodyPr/>
-          <a:lstStyle/>
-          <a:p>
-            <a:r>
-              <a:rPr lang="de-DE" dirty="0" err="1"/>
-              <a:t>docker</a:t>
-            </a:r>
-            <a:r>
-              <a:rPr lang="de-DE" dirty="0"/>
-              <a:t> </a:t>
-            </a:r>
-            <a:r>
-              <a:rPr lang="de-DE" dirty="0" err="1"/>
-              <a:t>run</a:t>
-            </a:r>
-            <a:r>
-              <a:rPr lang="de-DE" dirty="0"/>
-              <a:t> -d --name </a:t>
-            </a:r>
-            <a:r>
-              <a:rPr lang="de-DE" dirty="0" err="1"/>
-              <a:t>rabbitmq</a:t>
-            </a:r>
-            <a:r>
-              <a:rPr lang="de-DE" dirty="0"/>
-              <a:t> -p 15672:15672 -p 5672:5672 </a:t>
-            </a:r>
-            <a:r>
-              <a:rPr lang="de-DE" dirty="0" err="1"/>
-              <a:t>rabbitmq:management-alpine</a:t>
-            </a:r>
-            <a:endParaRPr lang="de-DE" dirty="0"/>
-          </a:p>
-          <a:p>
-            <a:r>
-              <a:rPr lang="de-DE" dirty="0"/>
-              <a:t>Web </a:t>
-            </a:r>
-            <a:r>
-              <a:rPr lang="de-DE" dirty="0" err="1"/>
-              <a:t>Console</a:t>
-            </a:r>
-            <a:r>
-              <a:rPr lang="de-DE" dirty="0"/>
-              <a:t> unter </a:t>
-            </a:r>
-            <a:r>
-              <a:rPr lang="de-DE" dirty="0" smtClean="0"/>
-              <a:t>localhost:15672</a:t>
-            </a:r>
-          </a:p>
-          <a:p>
-            <a:endParaRPr lang="de-DE" dirty="0"/>
-          </a:p>
-          <a:p>
-            <a:endParaRPr lang="de-DE" dirty="0"/>
+            <a:endParaRPr lang="de-DE"/>
           </a:p>
         </p:txBody>
       </p:sp>
     </p:spTree>
     <p:extLst>
       <p:ext uri="{BB962C8B-B14F-4D97-AF65-F5344CB8AC3E}">
-        <p14:creationId xmlns:p14="http://schemas.microsoft.com/office/powerpoint/2010/main" val="295639453"/>
+        <p14:creationId xmlns:p14="http://schemas.microsoft.com/office/powerpoint/2010/main" val="2519944075"/>
       </p:ext>
     </p:extLst>
   </p:cSld>
@@ -5338,43 +5341,16 @@
           <a:lstStyle/>
           <a:p>
             <a:r>
-              <a:rPr lang="de-DE" dirty="0" smtClean="0"/>
-              <a:t>Workshop "</a:t>
-            </a:r>
-            <a:r>
               <a:rPr lang="de-DE" dirty="0" err="1" smtClean="0"/>
-              <a:t>Ordering</a:t>
-            </a:r>
-            <a:r>
-              <a:rPr lang="de-DE" dirty="0" smtClean="0"/>
-              <a:t>"</a:t>
-            </a:r>
-            <a:endParaRPr lang="de-DE" dirty="0"/>
-          </a:p>
-        </p:txBody>
-      </p:sp>
-      <p:sp>
-        <p:nvSpPr>
-          <p:cNvPr id="3" name="Textplatzhalter 2"/>
-          <p:cNvSpPr>
-            <a:spLocks noGrp="1"/>
-          </p:cNvSpPr>
-          <p:nvPr>
-            <p:ph type="body" idx="1"/>
-          </p:nvPr>
-        </p:nvSpPr>
-        <p:spPr/>
-        <p:txBody>
-          <a:bodyPr/>
-          <a:lstStyle/>
-          <a:p>
-            <a:endParaRPr lang="de-DE"/>
-          </a:p>
-        </p:txBody>
-      </p:sp>
-      <p:sp>
-        <p:nvSpPr>
-          <p:cNvPr id="4" name="Datumsplatzhalter 3"/>
+              <a:t>RabbitMQ</a:t>
+            </a:r>
+            <a:endParaRPr lang="de-DE" dirty="0"/>
+          </a:p>
+        </p:txBody>
+      </p:sp>
+      <p:sp>
+        <p:nvSpPr>
+          <p:cNvPr id="3" name="Datumsplatzhalter 2"/>
           <p:cNvSpPr>
             <a:spLocks noGrp="1"/>
           </p:cNvSpPr>
@@ -5397,7 +5373,7 @@
       </p:sp>
       <p:sp>
         <p:nvSpPr>
-          <p:cNvPr id="5" name="Fußzeilenplatzhalter 4"/>
+          <p:cNvPr id="4" name="Fußzeilenplatzhalter 3"/>
           <p:cNvSpPr>
             <a:spLocks noGrp="1"/>
           </p:cNvSpPr>
@@ -5414,13 +5390,13 @@
               <a:rPr lang="de-DE" smtClean="0"/>
               <a:t>Spring Boot und Spring Cloud</a:t>
             </a:r>
-            <a:endParaRPr lang="de-DE"/>
-          </a:p>
-        </p:txBody>
-      </p:sp>
-      <p:sp>
-        <p:nvSpPr>
-          <p:cNvPr id="6" name="Foliennummernplatzhalter 5"/>
+            <a:endParaRPr lang="de-DE" dirty="0"/>
+          </a:p>
+        </p:txBody>
+      </p:sp>
+      <p:sp>
+        <p:nvSpPr>
+          <p:cNvPr id="5" name="Foliennummernplatzhalter 4"/>
           <p:cNvSpPr>
             <a:spLocks noGrp="1"/>
           </p:cNvSpPr>
@@ -5438,14 +5414,85 @@
               <a:pPr/>
               <a:t>16</a:t>
             </a:fld>
-            <a:endParaRPr lang="de-DE"/>
+            <a:endParaRPr lang="de-DE" dirty="0"/>
+          </a:p>
+        </p:txBody>
+      </p:sp>
+      <p:sp>
+        <p:nvSpPr>
+          <p:cNvPr id="6" name="Inhaltsplatzhalter 5"/>
+          <p:cNvSpPr>
+            <a:spLocks noGrp="1"/>
+          </p:cNvSpPr>
+          <p:nvPr>
+            <p:ph idx="1"/>
+          </p:nvPr>
+        </p:nvSpPr>
+        <p:spPr/>
+        <p:txBody>
+          <a:bodyPr/>
+          <a:lstStyle/>
+          <a:p>
+            <a:r>
+              <a:rPr lang="de-DE" dirty="0" err="1"/>
+              <a:t>docker</a:t>
+            </a:r>
+            <a:r>
+              <a:rPr lang="de-DE" dirty="0"/>
+              <a:t> </a:t>
+            </a:r>
+            <a:r>
+              <a:rPr lang="de-DE" dirty="0" err="1"/>
+              <a:t>run</a:t>
+            </a:r>
+            <a:r>
+              <a:rPr lang="de-DE" dirty="0"/>
+              <a:t> -d --name </a:t>
+            </a:r>
+            <a:r>
+              <a:rPr lang="de-DE" dirty="0" err="1"/>
+              <a:t>rabbitmq</a:t>
+            </a:r>
+            <a:r>
+              <a:rPr lang="de-DE" dirty="0"/>
+              <a:t> -p 15672:15672 -p 5672:5672 </a:t>
+            </a:r>
+            <a:r>
+              <a:rPr lang="de-DE" dirty="0" err="1"/>
+              <a:t>rabbitmq:management-alpine</a:t>
+            </a:r>
+            <a:endParaRPr lang="de-DE" dirty="0"/>
+          </a:p>
+          <a:p>
+            <a:r>
+              <a:rPr lang="de-DE" dirty="0"/>
+              <a:t>Web </a:t>
+            </a:r>
+            <a:r>
+              <a:rPr lang="de-DE" dirty="0" err="1"/>
+              <a:t>Console</a:t>
+            </a:r>
+            <a:r>
+              <a:rPr lang="de-DE" dirty="0"/>
+              <a:t> unter </a:t>
+            </a:r>
+            <a:r>
+              <a:rPr lang="de-DE" dirty="0" smtClean="0"/>
+              <a:t>localhost:15672</a:t>
+            </a:r>
+          </a:p>
+          <a:p>
+            <a:endParaRPr lang="de-DE" dirty="0"/>
+          </a:p>
+          <a:p>
+            <a:endParaRPr lang="de-DE" dirty="0"/>
           </a:p>
         </p:txBody>
       </p:sp>
     </p:spTree>
     <p:extLst>
       <p:ext uri="{BB962C8B-B14F-4D97-AF65-F5344CB8AC3E}">
-        <p14:creationId xmlns:p14="http://schemas.microsoft.com/office/powerpoint/2010/main" val="2242430749"/>
+        <p14:creationId xmlns:p14="http://schemas.microsoft.com/office/powerpoint/2010/main" val="295639453"/>
       </p:ext>
     </p:extLst>
   </p:cSld>
@@ -5489,19 +5536,42 @@
           <a:p>
             <a:r>
               <a:rPr lang="de-DE" dirty="0" smtClean="0"/>
-              <a:t>Vorgaben für </a:t>
+              <a:t>Workshop "</a:t>
             </a:r>
             <a:r>
               <a:rPr lang="de-DE" dirty="0" err="1" smtClean="0"/>
               <a:t>Ordering</a:t>
             </a:r>
-            <a:endParaRPr lang="de-DE" dirty="0"/>
-          </a:p>
-        </p:txBody>
-      </p:sp>
-      <p:sp>
-        <p:nvSpPr>
-          <p:cNvPr id="3" name="Datumsplatzhalter 2"/>
+            <a:r>
+              <a:rPr lang="de-DE" dirty="0" smtClean="0"/>
+              <a:t>"</a:t>
+            </a:r>
+            <a:endParaRPr lang="de-DE" dirty="0"/>
+          </a:p>
+        </p:txBody>
+      </p:sp>
+      <p:sp>
+        <p:nvSpPr>
+          <p:cNvPr id="3" name="Textplatzhalter 2"/>
+          <p:cNvSpPr>
+            <a:spLocks noGrp="1"/>
+          </p:cNvSpPr>
+          <p:nvPr>
+            <p:ph type="body" idx="1"/>
+          </p:nvPr>
+        </p:nvSpPr>
+        <p:spPr/>
+        <p:txBody>
+          <a:bodyPr/>
+          <a:lstStyle/>
+          <a:p>
+            <a:endParaRPr lang="de-DE"/>
+          </a:p>
+        </p:txBody>
+      </p:sp>
+      <p:sp>
+        <p:nvSpPr>
+          <p:cNvPr id="4" name="Datumsplatzhalter 3"/>
           <p:cNvSpPr>
             <a:spLocks noGrp="1"/>
           </p:cNvSpPr>
@@ -5524,7 +5594,7 @@
       </p:sp>
       <p:sp>
         <p:nvSpPr>
-          <p:cNvPr id="4" name="Fußzeilenplatzhalter 3"/>
+          <p:cNvPr id="5" name="Fußzeilenplatzhalter 4"/>
           <p:cNvSpPr>
             <a:spLocks noGrp="1"/>
           </p:cNvSpPr>
@@ -5541,13 +5611,13 @@
               <a:rPr lang="de-DE" smtClean="0"/>
               <a:t>Spring Boot und Spring Cloud</a:t>
             </a:r>
-            <a:endParaRPr lang="de-DE" dirty="0"/>
-          </a:p>
-        </p:txBody>
-      </p:sp>
-      <p:sp>
-        <p:nvSpPr>
-          <p:cNvPr id="5" name="Foliennummernplatzhalter 4"/>
+            <a:endParaRPr lang="de-DE"/>
+          </a:p>
+        </p:txBody>
+      </p:sp>
+      <p:sp>
+        <p:nvSpPr>
+          <p:cNvPr id="6" name="Foliennummernplatzhalter 5"/>
           <p:cNvSpPr>
             <a:spLocks noGrp="1"/>
           </p:cNvSpPr>
@@ -5565,58 +5635,14 @@
               <a:pPr/>
               <a:t>17</a:t>
             </a:fld>
-            <a:endParaRPr lang="de-DE" dirty="0"/>
-          </a:p>
-        </p:txBody>
-      </p:sp>
-      <p:sp>
-        <p:nvSpPr>
-          <p:cNvPr id="6" name="Inhaltsplatzhalter 5"/>
-          <p:cNvSpPr>
-            <a:spLocks noGrp="1"/>
-          </p:cNvSpPr>
-          <p:nvPr>
-            <p:ph idx="1"/>
-          </p:nvPr>
-        </p:nvSpPr>
-        <p:spPr/>
-        <p:txBody>
-          <a:bodyPr/>
-          <a:lstStyle/>
-          <a:p>
-            <a:r>
-              <a:rPr lang="de-DE" dirty="0"/>
-              <a:t>Neuer Service als Bestandteil der </a:t>
-            </a:r>
-            <a:r>
-              <a:rPr lang="de-DE" dirty="0" smtClean="0"/>
-              <a:t>Books-Applikation</a:t>
-            </a:r>
-          </a:p>
-          <a:p>
-            <a:pPr lvl="1"/>
-            <a:r>
-              <a:rPr lang="de-DE" dirty="0" smtClean="0"/>
-              <a:t>also keine neuen Projekte anlegen!</a:t>
-            </a:r>
-          </a:p>
-          <a:p>
-            <a:pPr lvl="1"/>
-            <a:r>
-              <a:rPr lang="de-DE" dirty="0" smtClean="0"/>
-              <a:t>Alles Bestandteil des Books-API und von Book Web</a:t>
-            </a:r>
-          </a:p>
-          <a:p>
-            <a:pPr lvl="1"/>
-            <a:endParaRPr lang="de-DE" dirty="0"/>
+            <a:endParaRPr lang="de-DE"/>
           </a:p>
         </p:txBody>
       </p:sp>
     </p:spTree>
     <p:extLst>
       <p:ext uri="{BB962C8B-B14F-4D97-AF65-F5344CB8AC3E}">
-        <p14:creationId xmlns:p14="http://schemas.microsoft.com/office/powerpoint/2010/main" val="3776180228"/>
+        <p14:creationId xmlns:p14="http://schemas.microsoft.com/office/powerpoint/2010/main" val="2242430749"/>
       </p:ext>
     </p:extLst>
   </p:cSld>
@@ -5666,10 +5692,6 @@
               <a:rPr lang="de-DE" dirty="0" err="1" smtClean="0"/>
               <a:t>Ordering</a:t>
             </a:r>
-            <a:r>
-              <a:rPr lang="de-DE" dirty="0" smtClean="0"/>
-              <a:t>: Operation</a:t>
-            </a:r>
             <a:endParaRPr lang="de-DE" dirty="0"/>
           </a:p>
         </p:txBody>
@@ -5760,40 +5782,30 @@
           <a:lstStyle/>
           <a:p>
             <a:r>
+              <a:rPr lang="de-DE" dirty="0"/>
+              <a:t>Neuer Service als Bestandteil der </a:t>
+            </a:r>
+            <a:r>
               <a:rPr lang="de-DE" dirty="0" smtClean="0"/>
-              <a:t>Es </a:t>
-            </a:r>
-            <a:r>
-              <a:rPr lang="de-DE" dirty="0"/>
-              <a:t>soll ermöglicht werden, ein Buchbestellung durchzuführen. Dazu erhält der Service eine Methode </a:t>
-            </a:r>
-            <a:r>
-              <a:rPr lang="de-DE" dirty="0" err="1">
-                <a:latin typeface="Courier New" pitchFamily="49" charset="0"/>
-                <a:cs typeface="Courier New" pitchFamily="49" charset="0"/>
-              </a:rPr>
-              <a:t>order</a:t>
-            </a:r>
-            <a:r>
-              <a:rPr lang="de-DE" dirty="0"/>
-              <a:t>, die als Parameter bekommt:</a:t>
+              <a:t>Books-Applikation</a:t>
             </a:r>
           </a:p>
           <a:p>
             <a:pPr lvl="1"/>
             <a:r>
-              <a:rPr lang="de-DE" dirty="0"/>
-              <a:t>Eine ISBN</a:t>
+              <a:rPr lang="de-DE" dirty="0" smtClean="0"/>
+              <a:t>also keine neuen Projekte anlegen!</a:t>
             </a:r>
           </a:p>
           <a:p>
             <a:pPr lvl="1"/>
             <a:r>
-              <a:rPr lang="de-DE" dirty="0"/>
-              <a:t>Die Anzahl der zu bestellenden Bücher</a:t>
-            </a:r>
-          </a:p>
-          <a:p>
+              <a:rPr lang="de-DE" dirty="0" smtClean="0"/>
+              <a:t>Alles Bestandteil des Books-API und von Book Web</a:t>
+            </a:r>
+          </a:p>
+          <a:p>
+            <a:pPr lvl="1"/>
             <a:endParaRPr lang="de-DE" dirty="0"/>
           </a:p>
         </p:txBody>
@@ -5801,7 +5813,7 @@
     </p:spTree>
     <p:extLst>
       <p:ext uri="{BB962C8B-B14F-4D97-AF65-F5344CB8AC3E}">
-        <p14:creationId xmlns:p14="http://schemas.microsoft.com/office/powerpoint/2010/main" val="2497037212"/>
+        <p14:creationId xmlns:p14="http://schemas.microsoft.com/office/powerpoint/2010/main" val="3776180228"/>
       </p:ext>
     </p:extLst>
   </p:cSld>
@@ -5853,7 +5865,7 @@
             </a:r>
             <a:r>
               <a:rPr lang="de-DE" dirty="0" smtClean="0"/>
-              <a:t>: Rückgabe</a:t>
+              <a:t>: Operation</a:t>
             </a:r>
             <a:endParaRPr lang="de-DE" dirty="0"/>
           </a:p>
@@ -5941,146 +5953,52 @@
         </p:nvSpPr>
         <p:spPr/>
         <p:txBody>
-          <a:bodyPr>
-            <a:normAutofit/>
-          </a:bodyPr>
-          <a:lstStyle/>
-          <a:p>
-            <a:r>
-              <a:rPr lang="de-DE" dirty="0" err="1" smtClean="0"/>
-              <a:t>OrderId</a:t>
-            </a:r>
+          <a:bodyPr/>
+          <a:lstStyle/>
+          <a:p>
             <a:r>
               <a:rPr lang="de-DE" dirty="0" smtClean="0"/>
-              <a:t> </a:t>
+              <a:t>Es </a:t>
             </a:r>
             <a:r>
               <a:rPr lang="de-DE" dirty="0"/>
-              <a:t>(generierte Long)</a:t>
-            </a:r>
-          </a:p>
-          <a:p>
-            <a:r>
-              <a:rPr lang="de-DE" dirty="0" err="1"/>
-              <a:t>Isbn</a:t>
-            </a:r>
-            <a:endParaRPr lang="de-DE" dirty="0"/>
-          </a:p>
-          <a:p>
-            <a:r>
-              <a:rPr lang="de-DE" dirty="0" err="1"/>
-              <a:t>OrderStatus</a:t>
-            </a:r>
-            <a:endParaRPr lang="de-DE" dirty="0"/>
+              <a:t>soll ermöglicht werden, ein Buchbestellung durchzuführen. Dazu erhält der Service eine Methode </a:t>
+            </a:r>
+            <a:r>
+              <a:rPr lang="de-DE" dirty="0" err="1">
+                <a:latin typeface="Courier New" pitchFamily="49" charset="0"/>
+                <a:cs typeface="Courier New" pitchFamily="49" charset="0"/>
+              </a:rPr>
+              <a:t>order</a:t>
+            </a:r>
+            <a:r>
+              <a:rPr lang="de-DE" dirty="0"/>
+              <a:t>, die als Parameter bekommt:</a:t>
+            </a:r>
           </a:p>
           <a:p>
             <a:pPr lvl="1"/>
             <a:r>
               <a:rPr lang="de-DE" dirty="0"/>
-              <a:t>OK, falls Buch im </a:t>
-            </a:r>
-            <a:r>
-              <a:rPr lang="de-DE" dirty="0" err="1"/>
-              <a:t>BooksService</a:t>
-            </a:r>
+              <a:t>Eine ISBN</a:t>
+            </a:r>
+          </a:p>
+          <a:p>
+            <a:pPr lvl="1"/>
             <a:r>
               <a:rPr lang="de-DE" dirty="0"/>
-              <a:t> </a:t>
-            </a:r>
-            <a:r>
-              <a:rPr lang="de-DE" dirty="0" smtClean="0"/>
-              <a:t>bekannt </a:t>
-            </a:r>
-            <a:r>
-              <a:rPr lang="de-DE" dirty="0"/>
-              <a:t>und genügend Exemplare im Store vorhanden sind</a:t>
-            </a:r>
-          </a:p>
-          <a:p>
-            <a:pPr lvl="1"/>
-            <a:r>
-              <a:rPr lang="de-DE" dirty="0"/>
-              <a:t>PENDING, falls Buch im </a:t>
-            </a:r>
-            <a:r>
-              <a:rPr lang="de-DE" dirty="0" err="1"/>
-              <a:t>BooksService</a:t>
-            </a:r>
-            <a:r>
-              <a:rPr lang="de-DE" dirty="0"/>
-              <a:t>  bekannt aber nicht genügend Exemplare im Store vorhanden sind</a:t>
-            </a:r>
-          </a:p>
-          <a:p>
-            <a:pPr lvl="1"/>
-            <a:r>
-              <a:rPr lang="de-DE" dirty="0"/>
-              <a:t>UNAVAILABLE, falls das Buch im </a:t>
-            </a:r>
-            <a:r>
-              <a:rPr lang="de-DE" dirty="0" err="1"/>
-              <a:t>BooksService</a:t>
-            </a:r>
-            <a:r>
-              <a:rPr lang="de-DE" dirty="0"/>
-              <a:t> nicht bekannt ist</a:t>
-            </a:r>
-          </a:p>
-          <a:p>
-            <a:r>
-              <a:rPr lang="de-DE" dirty="0" err="1" smtClean="0"/>
-              <a:t>TotalPrice</a:t>
-            </a:r>
-            <a:r>
-              <a:rPr lang="de-DE" dirty="0" smtClean="0"/>
-              <a:t> </a:t>
-            </a:r>
-            <a:r>
-              <a:rPr lang="de-DE" dirty="0"/>
-              <a:t>( = </a:t>
-            </a:r>
-            <a:r>
-              <a:rPr lang="de-DE" dirty="0" err="1"/>
-              <a:t>amount</a:t>
-            </a:r>
-            <a:r>
-              <a:rPr lang="de-DE" dirty="0"/>
-              <a:t> * </a:t>
-            </a:r>
-            <a:r>
-              <a:rPr lang="de-DE" dirty="0" err="1"/>
-              <a:t>bookPrice</a:t>
-            </a:r>
-            <a:r>
-              <a:rPr lang="de-DE" dirty="0"/>
-              <a:t>)</a:t>
-            </a:r>
-          </a:p>
-          <a:p>
-            <a:pPr lvl="1"/>
-            <a:r>
-              <a:rPr lang="de-DE" dirty="0" smtClean="0"/>
-              <a:t>Hinweis</a:t>
-            </a:r>
-            <a:r>
-              <a:rPr lang="de-DE" dirty="0"/>
-              <a:t>: Der </a:t>
-            </a:r>
-            <a:r>
-              <a:rPr lang="de-DE" dirty="0" err="1"/>
-              <a:t>TotalPrice</a:t>
-            </a:r>
-            <a:r>
-              <a:rPr lang="de-DE" dirty="0"/>
-              <a:t> kann nur für OK und PENDING bestimmt werden</a:t>
-            </a:r>
+              <a:t>Die Anzahl der zu bestellenden Bücher</a:t>
+            </a:r>
+          </a:p>
+          <a:p>
+            <a:endParaRPr lang="de-DE" dirty="0"/>
           </a:p>
         </p:txBody>
       </p:sp>
     </p:spTree>
     <p:extLst>
       <p:ext uri="{BB962C8B-B14F-4D97-AF65-F5344CB8AC3E}">
-        <p14:creationId xmlns:p14="http://schemas.microsoft.com/office/powerpoint/2010/main" val="4209304771"/>
+        <p14:creationId xmlns:p14="http://schemas.microsoft.com/office/powerpoint/2010/main" val="2497037212"/>
       </p:ext>
     </p:extLst>
   </p:cSld>
@@ -6288,6 +6206,285 @@
 </file>
 
 <file path=ppt/slides/slide20.xml><?xml version="1.0" encoding="utf-8"?>
+<p:sld xmlns:a="http://schemas.openxmlformats.org/drawingml/2006/main" xmlns:r="http://schemas.openxmlformats.org/officeDocument/2006/relationships" xmlns:p="http://schemas.openxmlformats.org/presentationml/2006/main">
+  <p:cSld>
+    <p:spTree>
+      <p:nvGrpSpPr>
+        <p:cNvPr id="1" name=""/>
+        <p:cNvGrpSpPr/>
+        <p:nvPr/>
+      </p:nvGrpSpPr>
+      <p:grpSpPr>
+        <a:xfrm>
+          <a:off x="0" y="0"/>
+          <a:ext cx="0" cy="0"/>
+          <a:chOff x="0" y="0"/>
+          <a:chExt cx="0" cy="0"/>
+        </a:xfrm>
+      </p:grpSpPr>
+      <p:sp>
+        <p:nvSpPr>
+          <p:cNvPr id="2" name="Titel 1"/>
+          <p:cNvSpPr>
+            <a:spLocks noGrp="1"/>
+          </p:cNvSpPr>
+          <p:nvPr>
+            <p:ph type="title"/>
+          </p:nvPr>
+        </p:nvSpPr>
+        <p:spPr/>
+        <p:txBody>
+          <a:bodyPr/>
+          <a:lstStyle/>
+          <a:p>
+            <a:r>
+              <a:rPr lang="de-DE" dirty="0" smtClean="0"/>
+              <a:t>Vorgaben für </a:t>
+            </a:r>
+            <a:r>
+              <a:rPr lang="de-DE" dirty="0" err="1" smtClean="0"/>
+              <a:t>Ordering</a:t>
+            </a:r>
+            <a:r>
+              <a:rPr lang="de-DE" dirty="0" smtClean="0"/>
+              <a:t>: Rückgabe</a:t>
+            </a:r>
+            <a:endParaRPr lang="de-DE" dirty="0"/>
+          </a:p>
+        </p:txBody>
+      </p:sp>
+      <p:sp>
+        <p:nvSpPr>
+          <p:cNvPr id="3" name="Datumsplatzhalter 2"/>
+          <p:cNvSpPr>
+            <a:spLocks noGrp="1"/>
+          </p:cNvSpPr>
+          <p:nvPr>
+            <p:ph type="dt" sz="half" idx="10"/>
+          </p:nvPr>
+        </p:nvSpPr>
+        <p:spPr/>
+        <p:txBody>
+          <a:bodyPr/>
+          <a:lstStyle/>
+          <a:p>
+            <a:r>
+              <a:rPr lang="de-DE" smtClean="0"/>
+              <a:t>1.0.1019 © Javacream</a:t>
+            </a:r>
+            <a:endParaRPr lang="de-DE" dirty="0"/>
+          </a:p>
+        </p:txBody>
+      </p:sp>
+      <p:sp>
+        <p:nvSpPr>
+          <p:cNvPr id="4" name="Fußzeilenplatzhalter 3"/>
+          <p:cNvSpPr>
+            <a:spLocks noGrp="1"/>
+          </p:cNvSpPr>
+          <p:nvPr>
+            <p:ph type="ftr" sz="quarter" idx="11"/>
+          </p:nvPr>
+        </p:nvSpPr>
+        <p:spPr/>
+        <p:txBody>
+          <a:bodyPr/>
+          <a:lstStyle/>
+          <a:p>
+            <a:r>
+              <a:rPr lang="de-DE" smtClean="0"/>
+              <a:t>Spring Boot und Spring Cloud</a:t>
+            </a:r>
+            <a:endParaRPr lang="de-DE" dirty="0"/>
+          </a:p>
+        </p:txBody>
+      </p:sp>
+      <p:sp>
+        <p:nvSpPr>
+          <p:cNvPr id="5" name="Foliennummernplatzhalter 4"/>
+          <p:cNvSpPr>
+            <a:spLocks noGrp="1"/>
+          </p:cNvSpPr>
+          <p:nvPr>
+            <p:ph type="sldNum" sz="quarter" idx="12"/>
+          </p:nvPr>
+        </p:nvSpPr>
+        <p:spPr/>
+        <p:txBody>
+          <a:bodyPr/>
+          <a:lstStyle/>
+          <a:p>
+            <a:fld id="{C35CD64B-6327-40EA-B694-C6A036D8539A}" type="slidenum">
+              <a:rPr lang="de-DE" smtClean="0"/>
+              <a:pPr/>
+              <a:t>20</a:t>
+            </a:fld>
+            <a:endParaRPr lang="de-DE" dirty="0"/>
+          </a:p>
+        </p:txBody>
+      </p:sp>
+      <p:sp>
+        <p:nvSpPr>
+          <p:cNvPr id="6" name="Inhaltsplatzhalter 5"/>
+          <p:cNvSpPr>
+            <a:spLocks noGrp="1"/>
+          </p:cNvSpPr>
+          <p:nvPr>
+            <p:ph idx="1"/>
+          </p:nvPr>
+        </p:nvSpPr>
+        <p:spPr/>
+        <p:txBody>
+          <a:bodyPr>
+            <a:normAutofit/>
+          </a:bodyPr>
+          <a:lstStyle/>
+          <a:p>
+            <a:r>
+              <a:rPr lang="de-DE" dirty="0" err="1" smtClean="0"/>
+              <a:t>OrderId</a:t>
+            </a:r>
+            <a:r>
+              <a:rPr lang="de-DE" dirty="0" smtClean="0"/>
+              <a:t> </a:t>
+            </a:r>
+            <a:r>
+              <a:rPr lang="de-DE" dirty="0"/>
+              <a:t>(generierte Long)</a:t>
+            </a:r>
+          </a:p>
+          <a:p>
+            <a:r>
+              <a:rPr lang="de-DE" dirty="0" err="1"/>
+              <a:t>Isbn</a:t>
+            </a:r>
+            <a:endParaRPr lang="de-DE" dirty="0"/>
+          </a:p>
+          <a:p>
+            <a:r>
+              <a:rPr lang="de-DE" dirty="0" err="1"/>
+              <a:t>OrderStatus</a:t>
+            </a:r>
+            <a:endParaRPr lang="de-DE" dirty="0"/>
+          </a:p>
+          <a:p>
+            <a:pPr lvl="1"/>
+            <a:r>
+              <a:rPr lang="de-DE" dirty="0"/>
+              <a:t>OK, falls Buch im </a:t>
+            </a:r>
+            <a:r>
+              <a:rPr lang="de-DE" dirty="0" err="1"/>
+              <a:t>BooksService</a:t>
+            </a:r>
+            <a:r>
+              <a:rPr lang="de-DE" dirty="0"/>
+              <a:t> </a:t>
+            </a:r>
+            <a:r>
+              <a:rPr lang="de-DE" dirty="0" smtClean="0"/>
+              <a:t>bekannt </a:t>
+            </a:r>
+            <a:r>
+              <a:rPr lang="de-DE" dirty="0"/>
+              <a:t>und genügend Exemplare im Store vorhanden sind</a:t>
+            </a:r>
+          </a:p>
+          <a:p>
+            <a:pPr lvl="1"/>
+            <a:r>
+              <a:rPr lang="de-DE" dirty="0"/>
+              <a:t>PENDING, falls Buch im </a:t>
+            </a:r>
+            <a:r>
+              <a:rPr lang="de-DE" dirty="0" err="1"/>
+              <a:t>BooksService</a:t>
+            </a:r>
+            <a:r>
+              <a:rPr lang="de-DE" dirty="0"/>
+              <a:t>  bekannt aber nicht genügend Exemplare im Store vorhanden sind</a:t>
+            </a:r>
+          </a:p>
+          <a:p>
+            <a:pPr lvl="1"/>
+            <a:r>
+              <a:rPr lang="de-DE" dirty="0"/>
+              <a:t>UNAVAILABLE, falls das Buch im </a:t>
+            </a:r>
+            <a:r>
+              <a:rPr lang="de-DE" dirty="0" err="1"/>
+              <a:t>BooksService</a:t>
+            </a:r>
+            <a:r>
+              <a:rPr lang="de-DE" dirty="0"/>
+              <a:t> nicht bekannt ist</a:t>
+            </a:r>
+          </a:p>
+          <a:p>
+            <a:r>
+              <a:rPr lang="de-DE" dirty="0" err="1" smtClean="0"/>
+              <a:t>TotalPrice</a:t>
+            </a:r>
+            <a:r>
+              <a:rPr lang="de-DE" dirty="0" smtClean="0"/>
+              <a:t> </a:t>
+            </a:r>
+            <a:r>
+              <a:rPr lang="de-DE" dirty="0"/>
+              <a:t>( = </a:t>
+            </a:r>
+            <a:r>
+              <a:rPr lang="de-DE" dirty="0" err="1"/>
+              <a:t>amount</a:t>
+            </a:r>
+            <a:r>
+              <a:rPr lang="de-DE" dirty="0"/>
+              <a:t> * </a:t>
+            </a:r>
+            <a:r>
+              <a:rPr lang="de-DE" dirty="0" err="1"/>
+              <a:t>bookPrice</a:t>
+            </a:r>
+            <a:r>
+              <a:rPr lang="de-DE" dirty="0"/>
+              <a:t>)</a:t>
+            </a:r>
+          </a:p>
+          <a:p>
+            <a:pPr lvl="1"/>
+            <a:r>
+              <a:rPr lang="de-DE" dirty="0" smtClean="0"/>
+              <a:t>Hinweis</a:t>
+            </a:r>
+            <a:r>
+              <a:rPr lang="de-DE" dirty="0"/>
+              <a:t>: Der </a:t>
+            </a:r>
+            <a:r>
+              <a:rPr lang="de-DE" dirty="0" err="1"/>
+              <a:t>TotalPrice</a:t>
+            </a:r>
+            <a:r>
+              <a:rPr lang="de-DE" dirty="0"/>
+              <a:t> kann nur für OK und PENDING bestimmt werden</a:t>
+            </a:r>
+          </a:p>
+        </p:txBody>
+      </p:sp>
+    </p:spTree>
+    <p:extLst>
+      <p:ext uri="{BB962C8B-B14F-4D97-AF65-F5344CB8AC3E}">
+        <p14:creationId xmlns:p14="http://schemas.microsoft.com/office/powerpoint/2010/main" val="4209304771"/>
+      </p:ext>
+    </p:extLst>
+  </p:cSld>
+  <p:clrMapOvr>
+    <a:masterClrMapping/>
+  </p:clrMapOvr>
+</p:sld>
+</file>
+
+<file path=ppt/slides/slide21.xml><?xml version="1.0" encoding="utf-8"?>
 <p:sld xmlns:a="http://schemas.openxmlformats.org/drawingml/2006/main" xmlns:r="http://schemas.openxmlformats.org/officeDocument/2006/relationships" xmlns:p="http://schemas.openxmlformats.org/presentationml/2006/main">
   <p:cSld>
     <p:spTree>
